--- a/lessons/3_derivation/ppt/全连接层的前向和后向传播推导（上）.pptx
+++ b/lessons/3_derivation/ppt/全连接层的前向和后向传播推导（上）.pptx
@@ -231,7 +231,7 @@
                 <a:latin typeface="微软雅黑" panose="020B0503020204020204" charset="-122"/>
                 <a:ea typeface="微软雅黑" panose="020B0503020204020204" charset="-122"/>
               </a:rPr>
-              <a:t>2022/9/26</a:t>
+              <a:t>2022/10/18</a:t>
             </a:fld>
             <a:endParaRPr lang="zh-CN" altLang="en-US">
               <a:latin typeface="微软雅黑" panose="020B0503020204020204" charset="-122"/>
@@ -414,7 +414,7 @@
           <a:p>
             <a:fld id="{1AC49D05-6128-4D0D-A32A-06A5E73B386C}" type="datetimeFigureOut">
               <a:rPr lang="zh-CN" altLang="en-US" smtClean="0"/>
-              <a:t>2022/9/26</a:t>
+              <a:t>2022/10/18</a:t>
             </a:fld>
             <a:endParaRPr lang="zh-CN" altLang="en-US"/>
           </a:p>
@@ -1076,7 +1076,7 @@
           <a:p>
             <a:fld id="{9EFD9D74-47D9-4702-A33C-335B63B48DBF}" type="datetimeFigureOut">
               <a:rPr lang="zh-CN" altLang="en-US" smtClean="0"/>
-              <a:t>2022/9/26</a:t>
+              <a:t>2022/10/18</a:t>
             </a:fld>
             <a:endParaRPr lang="zh-CN" altLang="en-US" dirty="0"/>
           </a:p>
@@ -1409,7 +1409,7 @@
           <a:p>
             <a:fld id="{760FBDFE-C587-4B4C-A407-44438C67B59E}" type="datetimeFigureOut">
               <a:rPr lang="zh-CN" altLang="en-US" smtClean="0"/>
-              <a:t>2022/9/26</a:t>
+              <a:t>2022/10/18</a:t>
             </a:fld>
             <a:endParaRPr lang="zh-CN" altLang="en-US"/>
           </a:p>
@@ -1582,7 +1582,7 @@
           <a:p>
             <a:fld id="{9EFD9D74-47D9-4702-A33C-335B63B48DBF}" type="datetimeFigureOut">
               <a:rPr lang="zh-CN" altLang="en-US" smtClean="0"/>
-              <a:t>2022/9/26</a:t>
+              <a:t>2022/10/18</a:t>
             </a:fld>
             <a:endParaRPr lang="zh-CN" altLang="en-US" dirty="0"/>
           </a:p>
@@ -2107,7 +2107,7 @@
           <a:p>
             <a:fld id="{760FBDFE-C587-4B4C-A407-44438C67B59E}" type="datetimeFigureOut">
               <a:rPr lang="zh-CN" altLang="en-US" smtClean="0"/>
-              <a:t>2022/9/26</a:t>
+              <a:t>2022/10/18</a:t>
             </a:fld>
             <a:endParaRPr lang="zh-CN" altLang="en-US"/>
           </a:p>
@@ -2855,7 +2855,7 @@
           <a:p>
             <a:fld id="{760FBDFE-C587-4B4C-A407-44438C67B59E}" type="datetimeFigureOut">
               <a:rPr lang="zh-CN" altLang="en-US" smtClean="0"/>
-              <a:t>2022/9/26</a:t>
+              <a:t>2022/10/18</a:t>
             </a:fld>
             <a:endParaRPr lang="zh-CN" altLang="en-US"/>
           </a:p>
@@ -3021,7 +3021,7 @@
           <a:p>
             <a:fld id="{760FBDFE-C587-4B4C-A407-44438C67B59E}" type="datetimeFigureOut">
               <a:rPr lang="zh-CN" altLang="en-US" smtClean="0"/>
-              <a:t>2022/9/26</a:t>
+              <a:t>2022/10/18</a:t>
             </a:fld>
             <a:endParaRPr lang="zh-CN" altLang="en-US"/>
           </a:p>
@@ -3135,7 +3135,7 @@
           <a:p>
             <a:fld id="{760FBDFE-C587-4B4C-A407-44438C67B59E}" type="datetimeFigureOut">
               <a:rPr lang="zh-CN" altLang="en-US" smtClean="0"/>
-              <a:t>2022/9/26</a:t>
+              <a:t>2022/10/18</a:t>
             </a:fld>
             <a:endParaRPr lang="zh-CN" altLang="en-US"/>
           </a:p>
@@ -3465,7 +3465,7 @@
           <a:p>
             <a:fld id="{9EFD9D74-47D9-4702-A33C-335B63B48DBF}" type="datetimeFigureOut">
               <a:rPr lang="zh-CN" altLang="en-US" smtClean="0"/>
-              <a:t>2022/9/26</a:t>
+              <a:t>2022/10/18</a:t>
             </a:fld>
             <a:endParaRPr lang="zh-CN" altLang="en-US" dirty="0"/>
           </a:p>
@@ -3978,7 +3978,7 @@
           <a:p>
             <a:fld id="{760FBDFE-C587-4B4C-A407-44438C67B59E}" type="datetimeFigureOut">
               <a:rPr lang="zh-CN" altLang="en-US" smtClean="0"/>
-              <a:t>2022/9/26</a:t>
+              <a:t>2022/10/18</a:t>
             </a:fld>
             <a:endParaRPr lang="zh-CN" altLang="en-US"/>
           </a:p>
@@ -4092,7 +4092,7 @@
           <a:p>
             <a:fld id="{760FBDFE-C587-4B4C-A407-44438C67B59E}" type="datetimeFigureOut">
               <a:rPr lang="zh-CN" altLang="en-US" smtClean="0"/>
-              <a:t>2022/9/26</a:t>
+              <a:t>2022/10/18</a:t>
             </a:fld>
             <a:endParaRPr lang="zh-CN" altLang="en-US"/>
           </a:p>
@@ -4380,7 +4380,7 @@
           <a:p>
             <a:fld id="{82F288E0-7875-42C4-84C8-98DBBD3BF4D2}" type="datetimeFigureOut">
               <a:rPr lang="zh-CN" altLang="en-US" smtClean="0"/>
-              <a:t>2022/9/26</a:t>
+              <a:t>2022/10/18</a:t>
             </a:fld>
             <a:endParaRPr lang="zh-CN" altLang="en-US"/>
           </a:p>
@@ -4839,7 +4839,7 @@
           <a:p>
             <a:fld id="{760FBDFE-C587-4B4C-A407-44438C67B59E}" type="datetimeFigureOut">
               <a:rPr lang="zh-CN" altLang="en-US" smtClean="0"/>
-              <a:t>2022/9/26</a:t>
+              <a:t>2022/10/18</a:t>
             </a:fld>
             <a:endParaRPr lang="zh-CN" altLang="en-US"/>
           </a:p>
@@ -5508,7 +5508,7 @@
           <a:p>
             <a:fld id="{9EFD9D74-47D9-4702-A33C-335B63B48DBF}" type="datetimeFigureOut">
               <a:rPr lang="zh-CN" altLang="en-US" smtClean="0"/>
-              <a:t>2022/9/26</a:t>
+              <a:t>2022/10/18</a:t>
             </a:fld>
             <a:endParaRPr lang="zh-CN" altLang="en-US" dirty="0"/>
           </a:p>
@@ -5656,7 +5656,7 @@
           <a:p>
             <a:fld id="{9EFD9D74-47D9-4702-A33C-335B63B48DBF}" type="datetimeFigureOut">
               <a:rPr lang="zh-CN" altLang="en-US" smtClean="0"/>
-              <a:t>2022/9/26</a:t>
+              <a:t>2022/10/18</a:t>
             </a:fld>
             <a:endParaRPr lang="zh-CN" altLang="en-US" dirty="0"/>
           </a:p>
@@ -8634,17 +8634,6 @@
               <a:rPr lang="zh-CN" altLang="en-US" dirty="0"/>
               <a:t>主问题：向量化</a:t>
             </a:r>
-            <a:endParaRPr lang="en-US" altLang="zh-CN" dirty="0"/>
-          </a:p>
-          <a:p>
-            <a:pPr marL="285750" indent="-285750">
-              <a:buFont typeface="Arial" panose="020B0604020202020204" pitchFamily="34" charset="0"/>
-              <a:buChar char="•"/>
-            </a:pPr>
-            <a:r>
-              <a:rPr lang="zh-CN" altLang="en-US" dirty="0"/>
-              <a:t>主问题：如何推导全连接层的前向传播？</a:t>
-            </a:r>
           </a:p>
         </p:txBody>
       </p:sp>
@@ -8833,55 +8822,6 @@
                       </p:childTnLst>
                     </p:cTn>
                   </p:par>
-                  <p:par>
-                    <p:cTn id="15" fill="hold">
-                      <p:stCondLst>
-                        <p:cond delay="indefinite"/>
-                      </p:stCondLst>
-                      <p:childTnLst>
-                        <p:par>
-                          <p:cTn id="16" fill="hold">
-                            <p:stCondLst>
-                              <p:cond delay="0"/>
-                            </p:stCondLst>
-                            <p:childTnLst>
-                              <p:par>
-                                <p:cTn id="17" presetID="1" presetClass="entr" presetSubtype="0" fill="hold" grpId="0" nodeType="clickEffect">
-                                  <p:stCondLst>
-                                    <p:cond delay="0"/>
-                                  </p:stCondLst>
-                                  <p:childTnLst>
-                                    <p:set>
-                                      <p:cBhvr>
-                                        <p:cTn id="18" dur="1" fill="hold">
-                                          <p:stCondLst>
-                                            <p:cond delay="0"/>
-                                          </p:stCondLst>
-                                        </p:cTn>
-                                        <p:tgtEl>
-                                          <p:spTgt spid="2">
-                                            <p:txEl>
-                                              <p:pRg st="3" end="3"/>
-                                            </p:txEl>
-                                          </p:spTgt>
-                                        </p:tgtEl>
-                                        <p:attrNameLst>
-                                          <p:attrName>style.visibility</p:attrName>
-                                        </p:attrNameLst>
-                                      </p:cBhvr>
-                                      <p:to>
-                                        <p:strVal val="visible"/>
-                                      </p:to>
-                                    </p:set>
-                                  </p:childTnLst>
-                                </p:cTn>
-                              </p:par>
-                            </p:childTnLst>
-                          </p:cTn>
-                        </p:par>
-                      </p:childTnLst>
-                    </p:cTn>
-                  </p:par>
                 </p:childTnLst>
               </p:cTn>
               <p:prevCondLst>
@@ -9017,6 +8957,14 @@
               <a:rPr lang="zh-CN" altLang="en-US" dirty="0"/>
               <a:t>随机梯度下降算法是什么？</a:t>
             </a:r>
+            <a:endParaRPr lang="en-US" altLang="zh-CN" dirty="0"/>
+          </a:p>
+          <a:p>
+            <a:pPr marL="742950" lvl="1" indent="-285750">
+              <a:buFont typeface="Arial" panose="020B0604020202020204" pitchFamily="34" charset="0"/>
+              <a:buChar char="•"/>
+            </a:pPr>
+            <a:endParaRPr lang="zh-CN" altLang="en-US" dirty="0"/>
           </a:p>
           <a:p>
             <a:pPr marL="285750" indent="-285750">
@@ -9099,8 +9047,55 @@
         </p:blipFill>
         <p:spPr bwMode="auto">
           <a:xfrm>
-            <a:off x="6392517" y="2205467"/>
-            <a:ext cx="4680766" cy="3026298"/>
+            <a:off x="7664823" y="1486476"/>
+            <a:ext cx="3690848" cy="2386277"/>
+          </a:xfrm>
+          <a:prstGeom prst="rect">
+            <a:avLst/>
+          </a:prstGeom>
+          <a:noFill/>
+          <a:extLst>
+            <a:ext uri="{909E8E84-426E-40DD-AFC4-6F175D3DCCD1}">
+              <a14:hiddenFill xmlns:a14="http://schemas.microsoft.com/office/drawing/2010/main">
+                <a:solidFill>
+                  <a:srgbClr val="FFFFFF"/>
+                </a:solidFill>
+              </a14:hiddenFill>
+            </a:ext>
+          </a:extLst>
+        </p:spPr>
+      </p:pic>
+      <p:pic>
+        <p:nvPicPr>
+          <p:cNvPr id="4" name="Picture 2" descr="image">
+            <a:extLst>
+              <a:ext uri="{FF2B5EF4-FFF2-40B4-BE49-F238E27FC236}">
+                <a16:creationId xmlns:a16="http://schemas.microsoft.com/office/drawing/2014/main" id="{8E93D789-F9CE-CD64-9F4A-1F355237E22E}"/>
+              </a:ext>
+            </a:extLst>
+          </p:cNvPr>
+          <p:cNvPicPr>
+            <a:picLocks noChangeAspect="1" noChangeArrowheads="1"/>
+          </p:cNvPicPr>
+          <p:nvPr/>
+        </p:nvPicPr>
+        <p:blipFill>
+          <a:blip r:embed="rId5">
+            <a:extLst>
+              <a:ext uri="{28A0092B-C50C-407E-A947-70E740481C1C}">
+                <a14:useLocalDpi xmlns:a14="http://schemas.microsoft.com/office/drawing/2010/main" val="0"/>
+              </a:ext>
+            </a:extLst>
+          </a:blip>
+          <a:srcRect/>
+          <a:stretch>
+            <a:fillRect/>
+          </a:stretch>
+        </p:blipFill>
+        <p:spPr bwMode="auto">
+          <a:xfrm>
+            <a:off x="4997825" y="3845859"/>
+            <a:ext cx="2929156" cy="2985247"/>
           </a:xfrm>
           <a:prstGeom prst="rect">
             <a:avLst/>
@@ -9428,6 +9423,51 @@
                       </p:childTnLst>
                     </p:cTn>
                   </p:par>
+                  <p:par>
+                    <p:cTn id="27" fill="hold">
+                      <p:stCondLst>
+                        <p:cond delay="indefinite"/>
+                      </p:stCondLst>
+                      <p:childTnLst>
+                        <p:par>
+                          <p:cTn id="28" fill="hold">
+                            <p:stCondLst>
+                              <p:cond delay="0"/>
+                            </p:stCondLst>
+                            <p:childTnLst>
+                              <p:par>
+                                <p:cTn id="29" presetID="1" presetClass="entr" presetSubtype="0" fill="hold" nodeType="clickEffect">
+                                  <p:stCondLst>
+                                    <p:cond delay="0"/>
+                                  </p:stCondLst>
+                                  <p:childTnLst>
+                                    <p:set>
+                                      <p:cBhvr>
+                                        <p:cTn id="30" dur="1" fill="hold">
+                                          <p:stCondLst>
+                                            <p:cond delay="0"/>
+                                          </p:stCondLst>
+                                        </p:cTn>
+                                        <p:tgtEl>
+                                          <p:spTgt spid="4"/>
+                                        </p:tgtEl>
+                                        <p:attrNameLst>
+                                          <p:attrName>style.visibility</p:attrName>
+                                        </p:attrNameLst>
+                                      </p:cBhvr>
+                                      <p:to>
+                                        <p:strVal val="visible"/>
+                                      </p:to>
+                                    </p:set>
+                                  </p:childTnLst>
+                                </p:cTn>
+                              </p:par>
+                            </p:childTnLst>
+                          </p:cTn>
+                        </p:par>
+                      </p:childTnLst>
+                    </p:cTn>
+                  </p:par>
                 </p:childTnLst>
               </p:cTn>
               <p:prevCondLst>
@@ -9513,7 +9553,7 @@
             </a:pPr>
             <a:r>
               <a:rPr lang="zh-CN" altLang="en-US" dirty="0"/>
-              <a:t>如何才能不修改？</a:t>
+              <a:t>如何才能不修改公式，只调整参数即可？</a:t>
             </a:r>
             <a:endParaRPr lang="en-US" altLang="zh-CN" dirty="0"/>
           </a:p>
@@ -9847,11 +9887,7 @@
                                           </p:stCondLst>
                                         </p:cTn>
                                         <p:tgtEl>
-                                          <p:spTgt spid="2">
-                                            <p:txEl>
-                                              <p:pRg st="2" end="2"/>
-                                            </p:txEl>
-                                          </p:spTgt>
+                                          <p:spTgt spid="1028"/>
                                         </p:tgtEl>
                                         <p:attrNameLst>
                                           <p:attrName>style.visibility</p:attrName>
@@ -9896,7 +9932,11 @@
                                           </p:stCondLst>
                                         </p:cTn>
                                         <p:tgtEl>
-                                          <p:spTgt spid="1028"/>
+                                          <p:spTgt spid="2">
+                                            <p:txEl>
+                                              <p:pRg st="2" end="2"/>
+                                            </p:txEl>
+                                          </p:spTgt>
                                         </p:tgtEl>
                                         <p:attrNameLst>
                                           <p:attrName>style.visibility</p:attrName>
@@ -10105,7 +10145,7 @@
             </a:pPr>
             <a:r>
               <a:rPr lang="zh-CN" altLang="en-US" dirty="0"/>
-              <a:t>如果增加输入参数，如何解决下面的问题：</a:t>
+              <a:t>如果增加输入参数，那么：</a:t>
             </a:r>
             <a:endParaRPr lang="en-US" altLang="zh-CN" dirty="0"/>
           </a:p>
@@ -10119,20 +10159,6 @@
               <a:t>如何修改计算公式？</a:t>
             </a:r>
             <a:endParaRPr lang="en-US" altLang="zh-CN" dirty="0"/>
-          </a:p>
-          <a:p>
-            <a:pPr marL="742950" lvl="1" indent="-285750">
-              <a:buFont typeface="Arial" panose="020B0604020202020204" pitchFamily="34" charset="0"/>
-              <a:buChar char="•"/>
-            </a:pPr>
-            <a:r>
-              <a:rPr lang="zh-CN" altLang="en-US" dirty="0"/>
-              <a:t>避免计算过于臃肿</a:t>
-            </a:r>
-            <a:r>
-              <a:rPr lang="en-US" altLang="zh-CN" dirty="0"/>
-              <a:t>?</a:t>
-            </a:r>
           </a:p>
           <a:p>
             <a:pPr marL="742950" lvl="1" indent="-285750">
@@ -10573,55 +10599,6 @@
                       </p:childTnLst>
                     </p:cTn>
                   </p:par>
-                  <p:par>
-                    <p:cTn id="27" fill="hold">
-                      <p:stCondLst>
-                        <p:cond delay="indefinite"/>
-                      </p:stCondLst>
-                      <p:childTnLst>
-                        <p:par>
-                          <p:cTn id="28" fill="hold">
-                            <p:stCondLst>
-                              <p:cond delay="0"/>
-                            </p:stCondLst>
-                            <p:childTnLst>
-                              <p:par>
-                                <p:cTn id="29" presetID="1" presetClass="entr" presetSubtype="0" fill="hold" nodeType="clickEffect">
-                                  <p:stCondLst>
-                                    <p:cond delay="0"/>
-                                  </p:stCondLst>
-                                  <p:childTnLst>
-                                    <p:set>
-                                      <p:cBhvr>
-                                        <p:cTn id="30" dur="1" fill="hold">
-                                          <p:stCondLst>
-                                            <p:cond delay="0"/>
-                                          </p:stCondLst>
-                                        </p:cTn>
-                                        <p:tgtEl>
-                                          <p:spTgt spid="2">
-                                            <p:txEl>
-                                              <p:pRg st="4" end="4"/>
-                                            </p:txEl>
-                                          </p:spTgt>
-                                        </p:tgtEl>
-                                        <p:attrNameLst>
-                                          <p:attrName>style.visibility</p:attrName>
-                                        </p:attrNameLst>
-                                      </p:cBhvr>
-                                      <p:to>
-                                        <p:strVal val="visible"/>
-                                      </p:to>
-                                    </p:set>
-                                  </p:childTnLst>
-                                </p:cTn>
-                              </p:par>
-                            </p:childTnLst>
-                          </p:cTn>
-                        </p:par>
-                      </p:childTnLst>
-                    </p:cTn>
-                  </p:par>
                 </p:childTnLst>
               </p:cTn>
               <p:prevCondLst>
@@ -10722,7 +10699,7 @@
             </a:pPr>
             <a:r>
               <a:rPr lang="zh-CN" altLang="en-US" dirty="0"/>
-              <a:t>增加输入参数会改变公式的哪些地方？</a:t>
+              <a:t>增加输入参数的话需要改变公式吗？</a:t>
             </a:r>
             <a:endParaRPr lang="en-US" altLang="zh-CN" dirty="0"/>
           </a:p>
@@ -10937,10 +10914,10 @@
       </p:pic>
       <p:pic>
         <p:nvPicPr>
-          <p:cNvPr id="13" name="图片 12">
+          <p:cNvPr id="8" name="图片 7">
             <a:extLst>
               <a:ext uri="{FF2B5EF4-FFF2-40B4-BE49-F238E27FC236}">
-                <a16:creationId xmlns:a16="http://schemas.microsoft.com/office/drawing/2014/main" id="{1ACAAF44-85D2-8871-D213-0EB4553DF258}"/>
+                <a16:creationId xmlns:a16="http://schemas.microsoft.com/office/drawing/2014/main" id="{7BDEA614-406F-3266-6725-93E29D8AF534}"/>
               </a:ext>
             </a:extLst>
           </p:cNvPr>
@@ -10963,8 +10940,8 @@
         </p:blipFill>
         <p:spPr>
           <a:xfrm>
-            <a:off x="3517995" y="3490512"/>
-            <a:ext cx="5236789" cy="2960775"/>
+            <a:off x="3598749" y="3233112"/>
+            <a:ext cx="4994501" cy="2865697"/>
           </a:xfrm>
           <a:prstGeom prst="rect">
             <a:avLst/>
@@ -11201,7 +11178,7 @@
                                           </p:stCondLst>
                                         </p:cTn>
                                         <p:tgtEl>
-                                          <p:spTgt spid="13"/>
+                                          <p:spTgt spid="8"/>
                                         </p:tgtEl>
                                         <p:attrNameLst>
                                           <p:attrName>style.visibility</p:attrName>

--- a/lessons/3_derivation/ppt/全连接层的前向和后向传播推导（上）.pptx
+++ b/lessons/3_derivation/ppt/全连接层的前向和后向传播推导（上）.pptx
@@ -5,10 +5,10 @@
     <p:sldMasterId id="2147483648" r:id="rId1"/>
   </p:sldMasterIdLst>
   <p:notesMasterIdLst>
-    <p:notesMasterId r:id="rId25"/>
+    <p:notesMasterId r:id="rId19"/>
   </p:notesMasterIdLst>
   <p:handoutMasterIdLst>
-    <p:handoutMasterId r:id="rId26"/>
+    <p:handoutMasterId r:id="rId20"/>
   </p:handoutMasterIdLst>
   <p:sldIdLst>
     <p:sldId id="307" r:id="rId2"/>
@@ -20,25 +20,19 @@
     <p:sldId id="1006" r:id="rId8"/>
     <p:sldId id="524" r:id="rId9"/>
     <p:sldId id="1007" r:id="rId10"/>
-    <p:sldId id="1001" r:id="rId11"/>
-    <p:sldId id="1005" r:id="rId12"/>
-    <p:sldId id="1002" r:id="rId13"/>
-    <p:sldId id="1009" r:id="rId14"/>
-    <p:sldId id="1011" r:id="rId15"/>
-    <p:sldId id="1008" r:id="rId16"/>
-    <p:sldId id="537" r:id="rId17"/>
-    <p:sldId id="536" r:id="rId18"/>
-    <p:sldId id="1014" r:id="rId19"/>
-    <p:sldId id="1013" r:id="rId20"/>
-    <p:sldId id="996" r:id="rId21"/>
-    <p:sldId id="997" r:id="rId22"/>
-    <p:sldId id="998" r:id="rId23"/>
-    <p:sldId id="653" r:id="rId24"/>
+    <p:sldId id="537" r:id="rId11"/>
+    <p:sldId id="536" r:id="rId12"/>
+    <p:sldId id="1014" r:id="rId13"/>
+    <p:sldId id="1013" r:id="rId14"/>
+    <p:sldId id="996" r:id="rId15"/>
+    <p:sldId id="997" r:id="rId16"/>
+    <p:sldId id="998" r:id="rId17"/>
+    <p:sldId id="653" r:id="rId18"/>
   </p:sldIdLst>
   <p:sldSz cx="12192000" cy="6858000"/>
   <p:notesSz cx="6858000" cy="9144000"/>
   <p:custDataLst>
-    <p:tags r:id="rId27"/>
+    <p:tags r:id="rId21"/>
   </p:custDataLst>
   <p:defaultTextStyle>
     <a:defPPr>
@@ -231,7 +225,7 @@
                 <a:latin typeface="微软雅黑" panose="020B0503020204020204" charset="-122"/>
                 <a:ea typeface="微软雅黑" panose="020B0503020204020204" charset="-122"/>
               </a:rPr>
-              <a:t>2022/10/18</a:t>
+              <a:t>2022/10/30</a:t>
             </a:fld>
             <a:endParaRPr lang="zh-CN" altLang="en-US">
               <a:latin typeface="微软雅黑" panose="020B0503020204020204" charset="-122"/>
@@ -414,7 +408,7 @@
           <a:p>
             <a:fld id="{1AC49D05-6128-4D0D-A32A-06A5E73B386C}" type="datetimeFigureOut">
               <a:rPr lang="zh-CN" altLang="en-US" smtClean="0"/>
-              <a:t>2022/10/18</a:t>
+              <a:t>2022/10/30</a:t>
             </a:fld>
             <a:endParaRPr lang="zh-CN" altLang="en-US"/>
           </a:p>
@@ -1076,7 +1070,7 @@
           <a:p>
             <a:fld id="{9EFD9D74-47D9-4702-A33C-335B63B48DBF}" type="datetimeFigureOut">
               <a:rPr lang="zh-CN" altLang="en-US" smtClean="0"/>
-              <a:t>2022/10/18</a:t>
+              <a:t>2022/10/30</a:t>
             </a:fld>
             <a:endParaRPr lang="zh-CN" altLang="en-US" dirty="0"/>
           </a:p>
@@ -1409,7 +1403,7 @@
           <a:p>
             <a:fld id="{760FBDFE-C587-4B4C-A407-44438C67B59E}" type="datetimeFigureOut">
               <a:rPr lang="zh-CN" altLang="en-US" smtClean="0"/>
-              <a:t>2022/10/18</a:t>
+              <a:t>2022/10/30</a:t>
             </a:fld>
             <a:endParaRPr lang="zh-CN" altLang="en-US"/>
           </a:p>
@@ -1582,7 +1576,7 @@
           <a:p>
             <a:fld id="{9EFD9D74-47D9-4702-A33C-335B63B48DBF}" type="datetimeFigureOut">
               <a:rPr lang="zh-CN" altLang="en-US" smtClean="0"/>
-              <a:t>2022/10/18</a:t>
+              <a:t>2022/10/30</a:t>
             </a:fld>
             <a:endParaRPr lang="zh-CN" altLang="en-US" dirty="0"/>
           </a:p>
@@ -2107,7 +2101,7 @@
           <a:p>
             <a:fld id="{760FBDFE-C587-4B4C-A407-44438C67B59E}" type="datetimeFigureOut">
               <a:rPr lang="zh-CN" altLang="en-US" smtClean="0"/>
-              <a:t>2022/10/18</a:t>
+              <a:t>2022/10/30</a:t>
             </a:fld>
             <a:endParaRPr lang="zh-CN" altLang="en-US"/>
           </a:p>
@@ -2855,7 +2849,7 @@
           <a:p>
             <a:fld id="{760FBDFE-C587-4B4C-A407-44438C67B59E}" type="datetimeFigureOut">
               <a:rPr lang="zh-CN" altLang="en-US" smtClean="0"/>
-              <a:t>2022/10/18</a:t>
+              <a:t>2022/10/30</a:t>
             </a:fld>
             <a:endParaRPr lang="zh-CN" altLang="en-US"/>
           </a:p>
@@ -3021,7 +3015,7 @@
           <a:p>
             <a:fld id="{760FBDFE-C587-4B4C-A407-44438C67B59E}" type="datetimeFigureOut">
               <a:rPr lang="zh-CN" altLang="en-US" smtClean="0"/>
-              <a:t>2022/10/18</a:t>
+              <a:t>2022/10/30</a:t>
             </a:fld>
             <a:endParaRPr lang="zh-CN" altLang="en-US"/>
           </a:p>
@@ -3135,7 +3129,7 @@
           <a:p>
             <a:fld id="{760FBDFE-C587-4B4C-A407-44438C67B59E}" type="datetimeFigureOut">
               <a:rPr lang="zh-CN" altLang="en-US" smtClean="0"/>
-              <a:t>2022/10/18</a:t>
+              <a:t>2022/10/30</a:t>
             </a:fld>
             <a:endParaRPr lang="zh-CN" altLang="en-US"/>
           </a:p>
@@ -3465,7 +3459,7 @@
           <a:p>
             <a:fld id="{9EFD9D74-47D9-4702-A33C-335B63B48DBF}" type="datetimeFigureOut">
               <a:rPr lang="zh-CN" altLang="en-US" smtClean="0"/>
-              <a:t>2022/10/18</a:t>
+              <a:t>2022/10/30</a:t>
             </a:fld>
             <a:endParaRPr lang="zh-CN" altLang="en-US" dirty="0"/>
           </a:p>
@@ -3978,7 +3972,7 @@
           <a:p>
             <a:fld id="{760FBDFE-C587-4B4C-A407-44438C67B59E}" type="datetimeFigureOut">
               <a:rPr lang="zh-CN" altLang="en-US" smtClean="0"/>
-              <a:t>2022/10/18</a:t>
+              <a:t>2022/10/30</a:t>
             </a:fld>
             <a:endParaRPr lang="zh-CN" altLang="en-US"/>
           </a:p>
@@ -4092,7 +4086,7 @@
           <a:p>
             <a:fld id="{760FBDFE-C587-4B4C-A407-44438C67B59E}" type="datetimeFigureOut">
               <a:rPr lang="zh-CN" altLang="en-US" smtClean="0"/>
-              <a:t>2022/10/18</a:t>
+              <a:t>2022/10/30</a:t>
             </a:fld>
             <a:endParaRPr lang="zh-CN" altLang="en-US"/>
           </a:p>
@@ -4380,7 +4374,7 @@
           <a:p>
             <a:fld id="{82F288E0-7875-42C4-84C8-98DBBD3BF4D2}" type="datetimeFigureOut">
               <a:rPr lang="zh-CN" altLang="en-US" smtClean="0"/>
-              <a:t>2022/10/18</a:t>
+              <a:t>2022/10/30</a:t>
             </a:fld>
             <a:endParaRPr lang="zh-CN" altLang="en-US"/>
           </a:p>
@@ -4839,7 +4833,7 @@
           <a:p>
             <a:fld id="{760FBDFE-C587-4B4C-A407-44438C67B59E}" type="datetimeFigureOut">
               <a:rPr lang="zh-CN" altLang="en-US" smtClean="0"/>
-              <a:t>2022/10/18</a:t>
+              <a:t>2022/10/30</a:t>
             </a:fld>
             <a:endParaRPr lang="zh-CN" altLang="en-US"/>
           </a:p>
@@ -5508,7 +5502,7 @@
           <a:p>
             <a:fld id="{9EFD9D74-47D9-4702-A33C-335B63B48DBF}" type="datetimeFigureOut">
               <a:rPr lang="zh-CN" altLang="en-US" smtClean="0"/>
-              <a:t>2022/10/18</a:t>
+              <a:t>2022/10/30</a:t>
             </a:fld>
             <a:endParaRPr lang="zh-CN" altLang="en-US" dirty="0"/>
           </a:p>
@@ -5656,7 +5650,7 @@
           <a:p>
             <a:fld id="{9EFD9D74-47D9-4702-A33C-335B63B48DBF}" type="datetimeFigureOut">
               <a:rPr lang="zh-CN" altLang="en-US" smtClean="0"/>
-              <a:t>2022/10/18</a:t>
+              <a:t>2022/10/30</a:t>
             </a:fld>
             <a:endParaRPr lang="zh-CN" altLang="en-US" dirty="0"/>
           </a:p>
@@ -6498,1412 +6492,6 @@
           <a:lstStyle/>
           <a:p>
             <a:r>
-              <a:rPr dirty="0">
-                <a:sym typeface="+mn-ea"/>
-              </a:rPr>
-              <a:t>主问题：</a:t>
-            </a:r>
-            <a:r>
-              <a:rPr lang="zh-CN" altLang="en-US" dirty="0">
-                <a:sym typeface="+mn-ea"/>
-              </a:rPr>
-              <a:t>如何推导</a:t>
-            </a:r>
-            <a:r>
-              <a:rPr lang="zh-CN" altLang="en-US" dirty="0"/>
-              <a:t>全连接层的前向传播？</a:t>
-            </a:r>
-          </a:p>
-        </p:txBody>
-      </p:sp>
-    </p:spTree>
-    <p:custDataLst>
-      <p:tags r:id="rId1"/>
-    </p:custDataLst>
-    <p:extLst>
-      <p:ext uri="{BB962C8B-B14F-4D97-AF65-F5344CB8AC3E}">
-        <p14:creationId xmlns:p14="http://schemas.microsoft.com/office/powerpoint/2010/main" val="1962956007"/>
-      </p:ext>
-    </p:extLst>
-  </p:cSld>
-  <p:clrMapOvr>
-    <a:masterClrMapping/>
-  </p:clrMapOvr>
-</p:sld>
-</file>
-
-<file path=ppt/slides/slide11.xml><?xml version="1.0" encoding="utf-8"?>
-<p:sld xmlns:a="http://schemas.openxmlformats.org/drawingml/2006/main" xmlns:r="http://schemas.openxmlformats.org/officeDocument/2006/relationships" xmlns:p="http://schemas.openxmlformats.org/presentationml/2006/main">
-  <p:cSld>
-    <p:spTree>
-      <p:nvGrpSpPr>
-        <p:cNvPr id="1" name=""/>
-        <p:cNvGrpSpPr/>
-        <p:nvPr/>
-      </p:nvGrpSpPr>
-      <p:grpSpPr>
-        <a:xfrm>
-          <a:off x="0" y="0"/>
-          <a:ext cx="0" cy="0"/>
-          <a:chOff x="0" y="0"/>
-          <a:chExt cx="0" cy="0"/>
-        </a:xfrm>
-      </p:grpSpPr>
-      <p:sp>
-        <p:nvSpPr>
-          <p:cNvPr id="2" name="文本占位符 1"/>
-          <p:cNvSpPr>
-            <a:spLocks noGrp="1"/>
-          </p:cNvSpPr>
-          <p:nvPr>
-            <p:ph type="body" idx="1"/>
-          </p:nvPr>
-        </p:nvSpPr>
-        <p:spPr/>
-        <p:txBody>
-          <a:bodyPr/>
-          <a:lstStyle/>
-          <a:p>
-            <a:pPr marL="285750" indent="-285750">
-              <a:buFont typeface="Arial" panose="020B0604020202020204" pitchFamily="34" charset="0"/>
-              <a:buChar char="•"/>
-            </a:pPr>
-            <a:r>
-              <a:rPr lang="zh-CN" altLang="en-US" dirty="0"/>
-              <a:t>什么情况下需要增加输入层的神经元个数？</a:t>
-            </a:r>
-            <a:endParaRPr lang="en-US" altLang="zh-CN" dirty="0"/>
-          </a:p>
-          <a:p>
-            <a:pPr marL="285750" indent="-285750">
-              <a:buFont typeface="Arial" panose="020B0604020202020204" pitchFamily="34" charset="0"/>
-              <a:buChar char="•"/>
-            </a:pPr>
-            <a:r>
-              <a:rPr lang="zh-CN" altLang="en-US" dirty="0"/>
-              <a:t>什么情况下需要增加隐藏层的神经元个数？</a:t>
-            </a:r>
-            <a:endParaRPr lang="en-US" altLang="zh-CN" dirty="0"/>
-          </a:p>
-          <a:p>
-            <a:pPr marL="285750" indent="-285750">
-              <a:buFont typeface="Arial" panose="020B0604020202020204" pitchFamily="34" charset="0"/>
-              <a:buChar char="•"/>
-            </a:pPr>
-            <a:r>
-              <a:rPr lang="zh-CN" altLang="en-US" dirty="0"/>
-              <a:t>什么情况下需要增加输出层的神经元个数？</a:t>
-            </a:r>
-            <a:endParaRPr lang="en-US" altLang="zh-CN" dirty="0"/>
-          </a:p>
-          <a:p>
-            <a:pPr marL="285750" indent="-285750">
-              <a:buFont typeface="Arial" panose="020B0604020202020204" pitchFamily="34" charset="0"/>
-              <a:buChar char="•"/>
-            </a:pPr>
-            <a:r>
-              <a:rPr lang="zh-CN" altLang="en-US" dirty="0"/>
-              <a:t>什么情况下需要增加更多的隐藏层？</a:t>
-            </a:r>
-            <a:endParaRPr lang="en-US" altLang="zh-CN" dirty="0"/>
-          </a:p>
-          <a:p>
-            <a:pPr marL="285750" indent="-285750">
-              <a:buFont typeface="Arial" panose="020B0604020202020204" pitchFamily="34" charset="0"/>
-              <a:buChar char="•"/>
-            </a:pPr>
-            <a:endParaRPr lang="en-US" altLang="zh-CN" dirty="0"/>
-          </a:p>
-          <a:p>
-            <a:pPr marL="285750" indent="-285750">
-              <a:buFont typeface="Arial" panose="020B0604020202020204" pitchFamily="34" charset="0"/>
-              <a:buChar char="•"/>
-            </a:pPr>
-            <a:endParaRPr lang="en-US" altLang="zh-CN" dirty="0"/>
-          </a:p>
-          <a:p>
-            <a:pPr marL="285750" indent="-285750">
-              <a:buFont typeface="Arial" panose="020B0604020202020204" pitchFamily="34" charset="0"/>
-              <a:buChar char="•"/>
-            </a:pPr>
-            <a:endParaRPr lang="en-US" altLang="zh-CN" dirty="0"/>
-          </a:p>
-          <a:p>
-            <a:pPr marL="285750" indent="-285750">
-              <a:buFont typeface="Arial" panose="020B0604020202020204" pitchFamily="34" charset="0"/>
-              <a:buChar char="•"/>
-            </a:pPr>
-            <a:endParaRPr lang="en-US" altLang="zh-CN" dirty="0"/>
-          </a:p>
-          <a:p>
-            <a:pPr marL="285750" indent="-285750">
-              <a:buFont typeface="Arial" panose="020B0604020202020204" pitchFamily="34" charset="0"/>
-              <a:buChar char="•"/>
-            </a:pPr>
-            <a:endParaRPr lang="en-US" altLang="zh-CN" dirty="0"/>
-          </a:p>
-          <a:p>
-            <a:endParaRPr lang="en-US" altLang="zh-CN" dirty="0"/>
-          </a:p>
-        </p:txBody>
-      </p:sp>
-      <p:sp>
-        <p:nvSpPr>
-          <p:cNvPr id="3" name="标题 2"/>
-          <p:cNvSpPr>
-            <a:spLocks noGrp="1"/>
-          </p:cNvSpPr>
-          <p:nvPr>
-            <p:ph type="title"/>
-          </p:nvPr>
-        </p:nvSpPr>
-        <p:spPr/>
-        <p:txBody>
-          <a:bodyPr/>
-          <a:lstStyle/>
-          <a:p>
-            <a:r>
-              <a:rPr lang="zh-CN" altLang="en-US" dirty="0"/>
-              <a:t>为什么要学习全连接层？</a:t>
-            </a:r>
-            <a:endParaRPr dirty="0">
-              <a:sym typeface="+mn-ea"/>
-            </a:endParaRPr>
-          </a:p>
-        </p:txBody>
-      </p:sp>
-      <p:sp>
-        <p:nvSpPr>
-          <p:cNvPr id="4" name="文本框 3">
-            <a:extLst>
-              <a:ext uri="{FF2B5EF4-FFF2-40B4-BE49-F238E27FC236}">
-                <a16:creationId xmlns:a16="http://schemas.microsoft.com/office/drawing/2014/main" id="{D834BDF0-D915-A56A-BE63-A968CD841F04}"/>
-              </a:ext>
-            </a:extLst>
-          </p:cNvPr>
-          <p:cNvSpPr txBox="1"/>
-          <p:nvPr/>
-        </p:nvSpPr>
-        <p:spPr>
-          <a:xfrm>
-            <a:off x="763675" y="5231765"/>
-            <a:ext cx="6019597" cy="369332"/>
-          </a:xfrm>
-          <a:prstGeom prst="rect">
-            <a:avLst/>
-          </a:prstGeom>
-          <a:noFill/>
-        </p:spPr>
-        <p:txBody>
-          <a:bodyPr wrap="none" rtlCol="0">
-            <a:spAutoFit/>
-          </a:bodyPr>
-          <a:lstStyle/>
-          <a:p>
-            <a:r>
-              <a:rPr kumimoji="1" lang="zh-CN" altLang="en-US" dirty="0"/>
-              <a:t>推广判断性别</a:t>
-            </a:r>
-            <a:r>
-              <a:rPr kumimoji="1" lang="en-US" altLang="zh-CN" dirty="0"/>
-              <a:t>Demo</a:t>
-            </a:r>
-            <a:r>
-              <a:rPr kumimoji="1" lang="zh-CN" altLang="en-US" dirty="0"/>
-              <a:t>的三层神经网络为全连接层神经网络</a:t>
-            </a:r>
-          </a:p>
-        </p:txBody>
-      </p:sp>
-      <p:pic>
-        <p:nvPicPr>
-          <p:cNvPr id="5" name="Picture 2" descr="image">
-            <a:extLst>
-              <a:ext uri="{FF2B5EF4-FFF2-40B4-BE49-F238E27FC236}">
-                <a16:creationId xmlns:a16="http://schemas.microsoft.com/office/drawing/2014/main" id="{41C6D8F2-03DB-F936-8739-4EEB319F017F}"/>
-              </a:ext>
-            </a:extLst>
-          </p:cNvPr>
-          <p:cNvPicPr>
-            <a:picLocks noChangeAspect="1" noChangeArrowheads="1"/>
-          </p:cNvPicPr>
-          <p:nvPr/>
-        </p:nvPicPr>
-        <p:blipFill>
-          <a:blip r:embed="rId3">
-            <a:extLst>
-              <a:ext uri="{28A0092B-C50C-407E-A947-70E740481C1C}">
-                <a14:useLocalDpi xmlns:a14="http://schemas.microsoft.com/office/drawing/2010/main" val="0"/>
-              </a:ext>
-            </a:extLst>
-          </a:blip>
-          <a:srcRect/>
-          <a:stretch>
-            <a:fillRect/>
-          </a:stretch>
-        </p:blipFill>
-        <p:spPr bwMode="auto">
-          <a:xfrm>
-            <a:off x="6392517" y="2205467"/>
-            <a:ext cx="4680766" cy="3026298"/>
-          </a:xfrm>
-          <a:prstGeom prst="rect">
-            <a:avLst/>
-          </a:prstGeom>
-          <a:noFill/>
-          <a:extLst>
-            <a:ext uri="{909E8E84-426E-40DD-AFC4-6F175D3DCCD1}">
-              <a14:hiddenFill xmlns:a14="http://schemas.microsoft.com/office/drawing/2010/main">
-                <a:solidFill>
-                  <a:srgbClr val="FFFFFF"/>
-                </a:solidFill>
-              </a14:hiddenFill>
-            </a:ext>
-          </a:extLst>
-        </p:spPr>
-      </p:pic>
-    </p:spTree>
-    <p:custDataLst>
-      <p:tags r:id="rId1"/>
-    </p:custDataLst>
-    <p:extLst>
-      <p:ext uri="{BB962C8B-B14F-4D97-AF65-F5344CB8AC3E}">
-        <p14:creationId xmlns:p14="http://schemas.microsoft.com/office/powerpoint/2010/main" val="3744396298"/>
-      </p:ext>
-    </p:extLst>
-  </p:cSld>
-  <p:clrMapOvr>
-    <a:masterClrMapping/>
-  </p:clrMapOvr>
-</p:sld>
-</file>
-
-<file path=ppt/slides/slide12.xml><?xml version="1.0" encoding="utf-8"?>
-<p:sld xmlns:a="http://schemas.openxmlformats.org/drawingml/2006/main" xmlns:r="http://schemas.openxmlformats.org/officeDocument/2006/relationships" xmlns:p="http://schemas.openxmlformats.org/presentationml/2006/main">
-  <p:cSld>
-    <p:spTree>
-      <p:nvGrpSpPr>
-        <p:cNvPr id="1" name=""/>
-        <p:cNvGrpSpPr/>
-        <p:nvPr/>
-      </p:nvGrpSpPr>
-      <p:grpSpPr>
-        <a:xfrm>
-          <a:off x="0" y="0"/>
-          <a:ext cx="0" cy="0"/>
-          <a:chOff x="0" y="0"/>
-          <a:chExt cx="0" cy="0"/>
-        </a:xfrm>
-      </p:grpSpPr>
-      <p:sp>
-        <p:nvSpPr>
-          <p:cNvPr id="2" name="文本占位符 1"/>
-          <p:cNvSpPr>
-            <a:spLocks noGrp="1"/>
-          </p:cNvSpPr>
-          <p:nvPr>
-            <p:ph type="body" idx="1"/>
-          </p:nvPr>
-        </p:nvSpPr>
-        <p:spPr/>
-        <p:txBody>
-          <a:bodyPr/>
-          <a:lstStyle/>
-          <a:p>
-            <a:pPr marL="285750" indent="-285750">
-              <a:buFont typeface="Arial" panose="020B0604020202020204" pitchFamily="34" charset="0"/>
-              <a:buChar char="•"/>
-            </a:pPr>
-            <a:r>
-              <a:rPr lang="zh-CN" altLang="en-US" dirty="0"/>
-              <a:t>什么是全连接层？</a:t>
-            </a:r>
-            <a:endParaRPr lang="en-US" altLang="zh-CN" dirty="0"/>
-          </a:p>
-          <a:p>
-            <a:pPr marL="285750" indent="-285750">
-              <a:buFont typeface="Arial" panose="020B0604020202020204" pitchFamily="34" charset="0"/>
-              <a:buChar char="•"/>
-            </a:pPr>
-            <a:endParaRPr lang="en-US" altLang="zh-CN" dirty="0"/>
-          </a:p>
-          <a:p>
-            <a:pPr marL="285750" indent="-285750">
-              <a:buFont typeface="Arial" panose="020B0604020202020204" pitchFamily="34" charset="0"/>
-              <a:buChar char="•"/>
-            </a:pPr>
-            <a:endParaRPr lang="en-US" altLang="zh-CN" dirty="0"/>
-          </a:p>
-          <a:p>
-            <a:pPr marL="285750" indent="-285750">
-              <a:buFont typeface="Arial" panose="020B0604020202020204" pitchFamily="34" charset="0"/>
-              <a:buChar char="•"/>
-            </a:pPr>
-            <a:endParaRPr lang="en-US" altLang="zh-CN" dirty="0"/>
-          </a:p>
-          <a:p>
-            <a:pPr marL="285750" indent="-285750">
-              <a:buFont typeface="Arial" panose="020B0604020202020204" pitchFamily="34" charset="0"/>
-              <a:buChar char="•"/>
-            </a:pPr>
-            <a:endParaRPr lang="en-US" altLang="zh-CN" dirty="0"/>
-          </a:p>
-          <a:p>
-            <a:pPr marL="285750" indent="-285750">
-              <a:buFont typeface="Arial" panose="020B0604020202020204" pitchFamily="34" charset="0"/>
-              <a:buChar char="•"/>
-            </a:pPr>
-            <a:r>
-              <a:rPr lang="zh-CN" altLang="en-US" dirty="0"/>
-              <a:t>自学、展学</a:t>
-            </a:r>
-          </a:p>
-          <a:p>
-            <a:pPr marL="285750" indent="-285750">
-              <a:buFont typeface="Arial" panose="020B0604020202020204" pitchFamily="34" charset="0"/>
-              <a:buChar char="•"/>
-            </a:pPr>
-            <a:endParaRPr lang="en-US" altLang="zh-CN" dirty="0"/>
-          </a:p>
-          <a:p>
-            <a:pPr marL="285750" indent="-285750">
-              <a:buFont typeface="Arial" panose="020B0604020202020204" pitchFamily="34" charset="0"/>
-              <a:buChar char="•"/>
-            </a:pPr>
-            <a:endParaRPr lang="en-US" altLang="zh-CN" dirty="0"/>
-          </a:p>
-          <a:p>
-            <a:pPr marL="285750" indent="-285750">
-              <a:buFont typeface="Arial" panose="020B0604020202020204" pitchFamily="34" charset="0"/>
-              <a:buChar char="•"/>
-            </a:pPr>
-            <a:endParaRPr lang="en-US" altLang="zh-CN" dirty="0"/>
-          </a:p>
-        </p:txBody>
-      </p:sp>
-      <p:sp>
-        <p:nvSpPr>
-          <p:cNvPr id="3" name="标题 2"/>
-          <p:cNvSpPr>
-            <a:spLocks noGrp="1"/>
-          </p:cNvSpPr>
-          <p:nvPr>
-            <p:ph type="title"/>
-          </p:nvPr>
-        </p:nvSpPr>
-        <p:spPr/>
-        <p:txBody>
-          <a:bodyPr/>
-          <a:lstStyle/>
-          <a:p>
-            <a:r>
-              <a:rPr lang="zh-CN" altLang="en-US" dirty="0">
-                <a:sym typeface="+mn-ea"/>
-              </a:rPr>
-              <a:t>主问题：如何推导</a:t>
-            </a:r>
-            <a:r>
-              <a:rPr lang="zh-CN" altLang="en-US" dirty="0"/>
-              <a:t>全连接层的前向传播？</a:t>
-            </a:r>
-          </a:p>
-        </p:txBody>
-      </p:sp>
-      <p:sp>
-        <p:nvSpPr>
-          <p:cNvPr id="6" name="文本框 5">
-            <a:extLst>
-              <a:ext uri="{FF2B5EF4-FFF2-40B4-BE49-F238E27FC236}">
-                <a16:creationId xmlns:a16="http://schemas.microsoft.com/office/drawing/2014/main" id="{E503E376-C64A-65D3-63D8-37F7FB333BC9}"/>
-              </a:ext>
-            </a:extLst>
-          </p:cNvPr>
-          <p:cNvSpPr txBox="1"/>
-          <p:nvPr/>
-        </p:nvSpPr>
-        <p:spPr>
-          <a:xfrm>
-            <a:off x="1272783" y="2257867"/>
-            <a:ext cx="4002601" cy="923330"/>
-          </a:xfrm>
-          <a:prstGeom prst="rect">
-            <a:avLst/>
-          </a:prstGeom>
-          <a:noFill/>
-        </p:spPr>
-        <p:txBody>
-          <a:bodyPr wrap="square" rtlCol="0">
-            <a:spAutoFit/>
-          </a:bodyPr>
-          <a:lstStyle/>
-          <a:p>
-            <a:r>
-              <a:rPr kumimoji="1" lang="zh-CN" altLang="en-US" dirty="0"/>
-              <a:t>输入层、输出层各只有一层，隐藏层可以有任意多层；</a:t>
-            </a:r>
-            <a:endParaRPr kumimoji="1" lang="en-US" altLang="zh-CN" dirty="0"/>
-          </a:p>
-          <a:p>
-            <a:r>
-              <a:rPr kumimoji="1" lang="zh-CN" altLang="en-US" dirty="0"/>
-              <a:t>每层有任意多的神经元</a:t>
-            </a:r>
-            <a:endParaRPr lang="en-US" altLang="zh-CN" dirty="0"/>
-          </a:p>
-        </p:txBody>
-      </p:sp>
-      <p:pic>
-        <p:nvPicPr>
-          <p:cNvPr id="5122" name="Picture 2">
-            <a:extLst>
-              <a:ext uri="{FF2B5EF4-FFF2-40B4-BE49-F238E27FC236}">
-                <a16:creationId xmlns:a16="http://schemas.microsoft.com/office/drawing/2014/main" id="{D23F4BE7-5B20-9053-F566-8A4F5BFCDB04}"/>
-              </a:ext>
-            </a:extLst>
-          </p:cNvPr>
-          <p:cNvPicPr>
-            <a:picLocks noChangeAspect="1" noChangeArrowheads="1"/>
-          </p:cNvPicPr>
-          <p:nvPr/>
-        </p:nvPicPr>
-        <p:blipFill>
-          <a:blip r:embed="rId3">
-            <a:extLst>
-              <a:ext uri="{28A0092B-C50C-407E-A947-70E740481C1C}">
-                <a14:useLocalDpi xmlns:a14="http://schemas.microsoft.com/office/drawing/2010/main" val="0"/>
-              </a:ext>
-            </a:extLst>
-          </a:blip>
-          <a:srcRect/>
-          <a:stretch>
-            <a:fillRect/>
-          </a:stretch>
-        </p:blipFill>
-        <p:spPr bwMode="auto">
-          <a:xfrm>
-            <a:off x="6261206" y="1308073"/>
-            <a:ext cx="5469522" cy="3746248"/>
-          </a:xfrm>
-          <a:prstGeom prst="rect">
-            <a:avLst/>
-          </a:prstGeom>
-          <a:noFill/>
-          <a:extLst>
-            <a:ext uri="{909E8E84-426E-40DD-AFC4-6F175D3DCCD1}">
-              <a14:hiddenFill xmlns:a14="http://schemas.microsoft.com/office/drawing/2010/main">
-                <a:solidFill>
-                  <a:srgbClr val="FFFFFF"/>
-                </a:solidFill>
-              </a14:hiddenFill>
-            </a:ext>
-          </a:extLst>
-        </p:spPr>
-      </p:pic>
-    </p:spTree>
-    <p:custDataLst>
-      <p:tags r:id="rId1"/>
-    </p:custDataLst>
-    <p:extLst>
-      <p:ext uri="{BB962C8B-B14F-4D97-AF65-F5344CB8AC3E}">
-        <p14:creationId xmlns:p14="http://schemas.microsoft.com/office/powerpoint/2010/main" val="2451492181"/>
-      </p:ext>
-    </p:extLst>
-  </p:cSld>
-  <p:clrMapOvr>
-    <a:masterClrMapping/>
-  </p:clrMapOvr>
-  <p:timing>
-    <p:tnLst>
-      <p:par>
-        <p:cTn id="1" dur="indefinite" restart="never" nodeType="tmRoot">
-          <p:childTnLst>
-            <p:seq concurrent="1" nextAc="seek">
-              <p:cTn id="2" dur="indefinite" nodeType="mainSeq">
-                <p:childTnLst>
-                  <p:par>
-                    <p:cTn id="3" fill="hold">
-                      <p:stCondLst>
-                        <p:cond delay="indefinite"/>
-                      </p:stCondLst>
-                      <p:childTnLst>
-                        <p:par>
-                          <p:cTn id="4" fill="hold">
-                            <p:stCondLst>
-                              <p:cond delay="0"/>
-                            </p:stCondLst>
-                            <p:childTnLst>
-                              <p:par>
-                                <p:cTn id="5" presetID="1" presetClass="entr" presetSubtype="0" fill="hold" grpId="0" nodeType="clickEffect">
-                                  <p:stCondLst>
-                                    <p:cond delay="0"/>
-                                  </p:stCondLst>
-                                  <p:childTnLst>
-                                    <p:set>
-                                      <p:cBhvr>
-                                        <p:cTn id="6" dur="1" fill="hold">
-                                          <p:stCondLst>
-                                            <p:cond delay="0"/>
-                                          </p:stCondLst>
-                                        </p:cTn>
-                                        <p:tgtEl>
-                                          <p:spTgt spid="6"/>
-                                        </p:tgtEl>
-                                        <p:attrNameLst>
-                                          <p:attrName>style.visibility</p:attrName>
-                                        </p:attrNameLst>
-                                      </p:cBhvr>
-                                      <p:to>
-                                        <p:strVal val="visible"/>
-                                      </p:to>
-                                    </p:set>
-                                  </p:childTnLst>
-                                </p:cTn>
-                              </p:par>
-                            </p:childTnLst>
-                          </p:cTn>
-                        </p:par>
-                      </p:childTnLst>
-                    </p:cTn>
-                  </p:par>
-                </p:childTnLst>
-              </p:cTn>
-              <p:prevCondLst>
-                <p:cond evt="onPrev" delay="0">
-                  <p:tgtEl>
-                    <p:sldTgt/>
-                  </p:tgtEl>
-                </p:cond>
-              </p:prevCondLst>
-              <p:nextCondLst>
-                <p:cond evt="onNext" delay="0">
-                  <p:tgtEl>
-                    <p:sldTgt/>
-                  </p:tgtEl>
-                </p:cond>
-              </p:nextCondLst>
-            </p:seq>
-          </p:childTnLst>
-        </p:cTn>
-      </p:par>
-    </p:tnLst>
-    <p:bldLst>
-      <p:bldP spid="6" grpId="0"/>
-    </p:bldLst>
-  </p:timing>
-</p:sld>
-</file>
-
-<file path=ppt/slides/slide13.xml><?xml version="1.0" encoding="utf-8"?>
-<p:sld xmlns:a="http://schemas.openxmlformats.org/drawingml/2006/main" xmlns:r="http://schemas.openxmlformats.org/officeDocument/2006/relationships" xmlns:p="http://schemas.openxmlformats.org/presentationml/2006/main">
-  <p:cSld>
-    <p:spTree>
-      <p:nvGrpSpPr>
-        <p:cNvPr id="1" name=""/>
-        <p:cNvGrpSpPr/>
-        <p:nvPr/>
-      </p:nvGrpSpPr>
-      <p:grpSpPr>
-        <a:xfrm>
-          <a:off x="0" y="0"/>
-          <a:ext cx="0" cy="0"/>
-          <a:chOff x="0" y="0"/>
-          <a:chExt cx="0" cy="0"/>
-        </a:xfrm>
-      </p:grpSpPr>
-      <p:sp>
-        <p:nvSpPr>
-          <p:cNvPr id="2" name="文本占位符 1"/>
-          <p:cNvSpPr>
-            <a:spLocks noGrp="1"/>
-          </p:cNvSpPr>
-          <p:nvPr>
-            <p:ph type="body" idx="1"/>
-          </p:nvPr>
-        </p:nvSpPr>
-        <p:spPr/>
-        <p:txBody>
-          <a:bodyPr/>
-          <a:lstStyle/>
-          <a:p>
-            <a:pPr marL="285750" indent="-285750">
-              <a:buFont typeface="Arial" panose="020B0604020202020204" pitchFamily="34" charset="0"/>
-              <a:buChar char="•"/>
-            </a:pPr>
-            <a:r>
-              <a:rPr lang="zh-CN" altLang="en-US" dirty="0"/>
-              <a:t>我们仍然以三层神经网络为例来推导</a:t>
-            </a:r>
-            <a:endParaRPr lang="en-US" altLang="zh-CN" dirty="0"/>
-          </a:p>
-          <a:p>
-            <a:pPr marL="285750" indent="-285750">
-              <a:buFont typeface="Arial" panose="020B0604020202020204" pitchFamily="34" charset="0"/>
-              <a:buChar char="•"/>
-            </a:pPr>
-            <a:r>
-              <a:rPr lang="zh-CN" altLang="en-US" dirty="0"/>
-              <a:t>前向传播算法是什么？</a:t>
-            </a:r>
-            <a:endParaRPr lang="en-US" altLang="zh-CN" dirty="0"/>
-          </a:p>
-          <a:p>
-            <a:pPr marL="285750" indent="-285750">
-              <a:buFont typeface="Arial" panose="020B0604020202020204" pitchFamily="34" charset="0"/>
-              <a:buChar char="•"/>
-            </a:pPr>
-            <a:r>
-              <a:rPr lang="zh-CN" altLang="en-US" i="0" dirty="0">
-                <a:solidFill>
-                  <a:srgbClr val="333333"/>
-                </a:solidFill>
-                <a:effectLst/>
-                <a:latin typeface="verdana" panose="020B0604030504040204" pitchFamily="34" charset="0"/>
-              </a:rPr>
-              <a:t>如何推导隐藏层的前向传播？</a:t>
-            </a:r>
-            <a:endParaRPr lang="en-US" altLang="zh-CN" i="0" dirty="0">
-              <a:solidFill>
-                <a:srgbClr val="333333"/>
-              </a:solidFill>
-              <a:effectLst/>
-              <a:latin typeface="verdana" panose="020B0604030504040204" pitchFamily="34" charset="0"/>
-            </a:endParaRPr>
-          </a:p>
-          <a:p>
-            <a:pPr marL="285750" indent="-285750">
-              <a:buFont typeface="Arial" panose="020B0604020202020204" pitchFamily="34" charset="0"/>
-              <a:buChar char="•"/>
-            </a:pPr>
-            <a:endParaRPr lang="en-US" altLang="zh-CN" dirty="0">
-              <a:solidFill>
-                <a:srgbClr val="333333"/>
-              </a:solidFill>
-              <a:latin typeface="verdana" panose="020B0604030504040204" pitchFamily="34" charset="0"/>
-            </a:endParaRPr>
-          </a:p>
-          <a:p>
-            <a:pPr marL="285750" indent="-285750">
-              <a:buFont typeface="Arial" panose="020B0604020202020204" pitchFamily="34" charset="0"/>
-              <a:buChar char="•"/>
-            </a:pPr>
-            <a:endParaRPr lang="en-US" altLang="zh-CN" dirty="0">
-              <a:solidFill>
-                <a:srgbClr val="333333"/>
-              </a:solidFill>
-              <a:latin typeface="verdana" panose="020B0604030504040204" pitchFamily="34" charset="0"/>
-            </a:endParaRPr>
-          </a:p>
-          <a:p>
-            <a:pPr marL="285750" indent="-285750">
-              <a:buFont typeface="Arial" panose="020B0604020202020204" pitchFamily="34" charset="0"/>
-              <a:buChar char="•"/>
-            </a:pPr>
-            <a:endParaRPr lang="en-US" altLang="zh-CN" dirty="0">
-              <a:solidFill>
-                <a:srgbClr val="333333"/>
-              </a:solidFill>
-              <a:latin typeface="verdana" panose="020B0604030504040204" pitchFamily="34" charset="0"/>
-            </a:endParaRPr>
-          </a:p>
-          <a:p>
-            <a:pPr marL="285750" indent="-285750">
-              <a:buFont typeface="Arial" panose="020B0604020202020204" pitchFamily="34" charset="0"/>
-              <a:buChar char="•"/>
-            </a:pPr>
-            <a:endParaRPr lang="en-US" altLang="zh-CN" dirty="0">
-              <a:solidFill>
-                <a:srgbClr val="333333"/>
-              </a:solidFill>
-              <a:latin typeface="verdana" panose="020B0604030504040204" pitchFamily="34" charset="0"/>
-            </a:endParaRPr>
-          </a:p>
-          <a:p>
-            <a:pPr marL="285750" indent="-285750">
-              <a:buFont typeface="Arial" panose="020B0604020202020204" pitchFamily="34" charset="0"/>
-              <a:buChar char="•"/>
-            </a:pPr>
-            <a:endParaRPr lang="en-US" altLang="zh-CN" dirty="0"/>
-          </a:p>
-          <a:p>
-            <a:pPr marL="285750" indent="-285750">
-              <a:buFont typeface="Arial" panose="020B0604020202020204" pitchFamily="34" charset="0"/>
-              <a:buChar char="•"/>
-            </a:pPr>
-            <a:endParaRPr lang="en-US" altLang="zh-CN" dirty="0"/>
-          </a:p>
-          <a:p>
-            <a:pPr marL="285750" indent="-285750">
-              <a:buFont typeface="Arial" panose="020B0604020202020204" pitchFamily="34" charset="0"/>
-              <a:buChar char="•"/>
-            </a:pPr>
-            <a:endParaRPr lang="en-US" altLang="zh-CN" dirty="0"/>
-          </a:p>
-        </p:txBody>
-      </p:sp>
-      <p:sp>
-        <p:nvSpPr>
-          <p:cNvPr id="3" name="标题 2"/>
-          <p:cNvSpPr>
-            <a:spLocks noGrp="1"/>
-          </p:cNvSpPr>
-          <p:nvPr>
-            <p:ph type="title"/>
-          </p:nvPr>
-        </p:nvSpPr>
-        <p:spPr/>
-        <p:txBody>
-          <a:bodyPr/>
-          <a:lstStyle/>
-          <a:p>
-            <a:r>
-              <a:rPr lang="zh-CN" altLang="en-US" dirty="0">
-                <a:sym typeface="+mn-ea"/>
-              </a:rPr>
-              <a:t>主问题：如何推导</a:t>
-            </a:r>
-            <a:r>
-              <a:rPr lang="zh-CN" altLang="en-US" dirty="0"/>
-              <a:t>全连接层的前向传播？</a:t>
-            </a:r>
-          </a:p>
-        </p:txBody>
-      </p:sp>
-      <p:pic>
-        <p:nvPicPr>
-          <p:cNvPr id="6146" name="Picture 2" descr="image">
-            <a:extLst>
-              <a:ext uri="{FF2B5EF4-FFF2-40B4-BE49-F238E27FC236}">
-                <a16:creationId xmlns:a16="http://schemas.microsoft.com/office/drawing/2014/main" id="{7E3105C0-E05C-1856-9DF8-7BFD26FDC6B6}"/>
-              </a:ext>
-            </a:extLst>
-          </p:cNvPr>
-          <p:cNvPicPr>
-            <a:picLocks noChangeAspect="1" noChangeArrowheads="1"/>
-          </p:cNvPicPr>
-          <p:nvPr/>
-        </p:nvPicPr>
-        <p:blipFill>
-          <a:blip r:embed="rId3">
-            <a:extLst>
-              <a:ext uri="{28A0092B-C50C-407E-A947-70E740481C1C}">
-                <a14:useLocalDpi xmlns:a14="http://schemas.microsoft.com/office/drawing/2010/main" val="0"/>
-              </a:ext>
-            </a:extLst>
-          </a:blip>
-          <a:srcRect/>
-          <a:stretch>
-            <a:fillRect/>
-          </a:stretch>
-        </p:blipFill>
-        <p:spPr bwMode="auto">
-          <a:xfrm>
-            <a:off x="7543817" y="1300430"/>
-            <a:ext cx="3978258" cy="4257140"/>
-          </a:xfrm>
-          <a:prstGeom prst="rect">
-            <a:avLst/>
-          </a:prstGeom>
-          <a:noFill/>
-          <a:extLst>
-            <a:ext uri="{909E8E84-426E-40DD-AFC4-6F175D3DCCD1}">
-              <a14:hiddenFill xmlns:a14="http://schemas.microsoft.com/office/drawing/2010/main">
-                <a:solidFill>
-                  <a:srgbClr val="FFFFFF"/>
-                </a:solidFill>
-              </a14:hiddenFill>
-            </a:ext>
-          </a:extLst>
-        </p:spPr>
-      </p:pic>
-      <p:pic>
-        <p:nvPicPr>
-          <p:cNvPr id="5" name="图片 4">
-            <a:extLst>
-              <a:ext uri="{FF2B5EF4-FFF2-40B4-BE49-F238E27FC236}">
-                <a16:creationId xmlns:a16="http://schemas.microsoft.com/office/drawing/2014/main" id="{A708544A-304D-719B-B9D0-4C271304E82E}"/>
-              </a:ext>
-            </a:extLst>
-          </p:cNvPr>
-          <p:cNvPicPr>
-            <a:picLocks noChangeAspect="1"/>
-          </p:cNvPicPr>
-          <p:nvPr/>
-        </p:nvPicPr>
-        <p:blipFill>
-          <a:blip r:embed="rId4">
-            <a:extLst>
-              <a:ext uri="{28A0092B-C50C-407E-A947-70E740481C1C}">
-                <a14:useLocalDpi xmlns:a14="http://schemas.microsoft.com/office/drawing/2010/main" val="0"/>
-              </a:ext>
-            </a:extLst>
-          </a:blip>
-          <a:stretch>
-            <a:fillRect/>
-          </a:stretch>
-        </p:blipFill>
-        <p:spPr>
-          <a:xfrm>
-            <a:off x="1020951" y="2950636"/>
-            <a:ext cx="5701398" cy="3554989"/>
-          </a:xfrm>
-          <a:prstGeom prst="rect">
-            <a:avLst/>
-          </a:prstGeom>
-        </p:spPr>
-      </p:pic>
-    </p:spTree>
-    <p:custDataLst>
-      <p:tags r:id="rId1"/>
-    </p:custDataLst>
-    <p:extLst>
-      <p:ext uri="{BB962C8B-B14F-4D97-AF65-F5344CB8AC3E}">
-        <p14:creationId xmlns:p14="http://schemas.microsoft.com/office/powerpoint/2010/main" val="2879977609"/>
-      </p:ext>
-    </p:extLst>
-  </p:cSld>
-  <p:clrMapOvr>
-    <a:masterClrMapping/>
-  </p:clrMapOvr>
-</p:sld>
-</file>
-
-<file path=ppt/slides/slide14.xml><?xml version="1.0" encoding="utf-8"?>
-<p:sld xmlns:a="http://schemas.openxmlformats.org/drawingml/2006/main" xmlns:r="http://schemas.openxmlformats.org/officeDocument/2006/relationships" xmlns:p="http://schemas.openxmlformats.org/presentationml/2006/main">
-  <p:cSld>
-    <p:spTree>
-      <p:nvGrpSpPr>
-        <p:cNvPr id="1" name=""/>
-        <p:cNvGrpSpPr/>
-        <p:nvPr/>
-      </p:nvGrpSpPr>
-      <p:grpSpPr>
-        <a:xfrm>
-          <a:off x="0" y="0"/>
-          <a:ext cx="0" cy="0"/>
-          <a:chOff x="0" y="0"/>
-          <a:chExt cx="0" cy="0"/>
-        </a:xfrm>
-      </p:grpSpPr>
-      <p:sp>
-        <p:nvSpPr>
-          <p:cNvPr id="2" name="文本占位符 1"/>
-          <p:cNvSpPr>
-            <a:spLocks noGrp="1"/>
-          </p:cNvSpPr>
-          <p:nvPr>
-            <p:ph type="body" idx="1"/>
-          </p:nvPr>
-        </p:nvSpPr>
-        <p:spPr/>
-        <p:txBody>
-          <a:bodyPr/>
-          <a:lstStyle/>
-          <a:p>
-            <a:pPr marL="285750" indent="-285750">
-              <a:buFont typeface="Arial" panose="020B0604020202020204" pitchFamily="34" charset="0"/>
-              <a:buChar char="•"/>
-            </a:pPr>
-            <a:r>
-              <a:rPr lang="zh-CN" altLang="en-US" i="0" dirty="0">
-                <a:solidFill>
-                  <a:srgbClr val="333333"/>
-                </a:solidFill>
-                <a:effectLst/>
-                <a:latin typeface="verdana" panose="020B0604030504040204" pitchFamily="34" charset="0"/>
-              </a:rPr>
-              <a:t>如何推导输出层的前向传播？</a:t>
-            </a:r>
-            <a:endParaRPr lang="en-US" altLang="zh-CN" i="0" dirty="0">
-              <a:solidFill>
-                <a:srgbClr val="333333"/>
-              </a:solidFill>
-              <a:effectLst/>
-              <a:latin typeface="verdana" panose="020B0604030504040204" pitchFamily="34" charset="0"/>
-            </a:endParaRPr>
-          </a:p>
-          <a:p>
-            <a:pPr marL="285750" indent="-285750">
-              <a:buFont typeface="Arial" panose="020B0604020202020204" pitchFamily="34" charset="0"/>
-              <a:buChar char="•"/>
-            </a:pPr>
-            <a:endParaRPr lang="en-US" altLang="zh-CN" dirty="0">
-              <a:solidFill>
-                <a:srgbClr val="333333"/>
-              </a:solidFill>
-              <a:latin typeface="verdana" panose="020B0604030504040204" pitchFamily="34" charset="0"/>
-            </a:endParaRPr>
-          </a:p>
-          <a:p>
-            <a:pPr marL="285750" indent="-285750">
-              <a:buFont typeface="Arial" panose="020B0604020202020204" pitchFamily="34" charset="0"/>
-              <a:buChar char="•"/>
-            </a:pPr>
-            <a:endParaRPr lang="en-US" altLang="zh-CN" i="0" dirty="0">
-              <a:solidFill>
-                <a:srgbClr val="333333"/>
-              </a:solidFill>
-              <a:effectLst/>
-              <a:latin typeface="verdana" panose="020B0604030504040204" pitchFamily="34" charset="0"/>
-            </a:endParaRPr>
-          </a:p>
-          <a:p>
-            <a:pPr marL="285750" indent="-285750">
-              <a:buFont typeface="Arial" panose="020B0604020202020204" pitchFamily="34" charset="0"/>
-              <a:buChar char="•"/>
-            </a:pPr>
-            <a:endParaRPr lang="en-US" altLang="zh-CN" dirty="0">
-              <a:solidFill>
-                <a:srgbClr val="333333"/>
-              </a:solidFill>
-              <a:latin typeface="verdana" panose="020B0604030504040204" pitchFamily="34" charset="0"/>
-            </a:endParaRPr>
-          </a:p>
-          <a:p>
-            <a:pPr marL="285750" indent="-285750">
-              <a:buFont typeface="Arial" panose="020B0604020202020204" pitchFamily="34" charset="0"/>
-              <a:buChar char="•"/>
-            </a:pPr>
-            <a:endParaRPr lang="en-US" altLang="zh-CN" i="0" dirty="0">
-              <a:solidFill>
-                <a:srgbClr val="333333"/>
-              </a:solidFill>
-              <a:effectLst/>
-              <a:latin typeface="verdana" panose="020B0604030504040204" pitchFamily="34" charset="0"/>
-            </a:endParaRPr>
-          </a:p>
-          <a:p>
-            <a:pPr marL="285750" indent="-285750">
-              <a:buFont typeface="Arial" panose="020B0604020202020204" pitchFamily="34" charset="0"/>
-              <a:buChar char="•"/>
-            </a:pPr>
-            <a:endParaRPr lang="en-US" altLang="zh-CN" dirty="0">
-              <a:solidFill>
-                <a:srgbClr val="333333"/>
-              </a:solidFill>
-              <a:latin typeface="verdana" panose="020B0604030504040204" pitchFamily="34" charset="0"/>
-            </a:endParaRPr>
-          </a:p>
-          <a:p>
-            <a:pPr marL="285750" indent="-285750">
-              <a:buFont typeface="Arial" panose="020B0604020202020204" pitchFamily="34" charset="0"/>
-              <a:buChar char="•"/>
-            </a:pPr>
-            <a:endParaRPr lang="en-US" altLang="zh-CN" i="0" dirty="0">
-              <a:solidFill>
-                <a:srgbClr val="333333"/>
-              </a:solidFill>
-              <a:effectLst/>
-              <a:latin typeface="verdana" panose="020B0604030504040204" pitchFamily="34" charset="0"/>
-            </a:endParaRPr>
-          </a:p>
-          <a:p>
-            <a:pPr marL="285750" indent="-285750">
-              <a:buFont typeface="Arial" panose="020B0604020202020204" pitchFamily="34" charset="0"/>
-              <a:buChar char="•"/>
-            </a:pPr>
-            <a:endParaRPr lang="en-US" altLang="zh-CN" dirty="0">
-              <a:solidFill>
-                <a:srgbClr val="333333"/>
-              </a:solidFill>
-              <a:latin typeface="verdana" panose="020B0604030504040204" pitchFamily="34" charset="0"/>
-            </a:endParaRPr>
-          </a:p>
-          <a:p>
-            <a:pPr marL="285750" indent="-285750">
-              <a:buFont typeface="Arial" panose="020B0604020202020204" pitchFamily="34" charset="0"/>
-              <a:buChar char="•"/>
-            </a:pPr>
-            <a:endParaRPr lang="en-US" altLang="zh-CN" i="0" dirty="0">
-              <a:solidFill>
-                <a:srgbClr val="333333"/>
-              </a:solidFill>
-              <a:effectLst/>
-              <a:latin typeface="verdana" panose="020B0604030504040204" pitchFamily="34" charset="0"/>
-            </a:endParaRPr>
-          </a:p>
-          <a:p>
-            <a:pPr marL="285750" indent="-285750">
-              <a:buFont typeface="Arial" panose="020B0604020202020204" pitchFamily="34" charset="0"/>
-              <a:buChar char="•"/>
-            </a:pPr>
-            <a:r>
-              <a:rPr lang="zh-CN" altLang="en-US" dirty="0"/>
-              <a:t>自学、互学、展学</a:t>
-            </a:r>
-          </a:p>
-          <a:p>
-            <a:pPr marL="285750" indent="-285750">
-              <a:buFont typeface="Arial" panose="020B0604020202020204" pitchFamily="34" charset="0"/>
-              <a:buChar char="•"/>
-            </a:pPr>
-            <a:endParaRPr lang="en-US" altLang="zh-CN" i="0" dirty="0">
-              <a:solidFill>
-                <a:srgbClr val="333333"/>
-              </a:solidFill>
-              <a:effectLst/>
-              <a:latin typeface="verdana" panose="020B0604030504040204" pitchFamily="34" charset="0"/>
-            </a:endParaRPr>
-          </a:p>
-          <a:p>
-            <a:pPr marL="285750" indent="-285750">
-              <a:buFont typeface="Arial" panose="020B0604020202020204" pitchFamily="34" charset="0"/>
-              <a:buChar char="•"/>
-            </a:pPr>
-            <a:endParaRPr lang="en-US" altLang="zh-CN" dirty="0">
-              <a:solidFill>
-                <a:srgbClr val="333333"/>
-              </a:solidFill>
-              <a:latin typeface="verdana" panose="020B0604030504040204" pitchFamily="34" charset="0"/>
-            </a:endParaRPr>
-          </a:p>
-          <a:p>
-            <a:pPr marL="285750" indent="-285750">
-              <a:buFont typeface="Arial" panose="020B0604020202020204" pitchFamily="34" charset="0"/>
-              <a:buChar char="•"/>
-            </a:pPr>
-            <a:endParaRPr lang="en-US" altLang="zh-CN" dirty="0">
-              <a:solidFill>
-                <a:srgbClr val="333333"/>
-              </a:solidFill>
-              <a:latin typeface="verdana" panose="020B0604030504040204" pitchFamily="34" charset="0"/>
-            </a:endParaRPr>
-          </a:p>
-          <a:p>
-            <a:pPr marL="285750" indent="-285750">
-              <a:buFont typeface="Arial" panose="020B0604020202020204" pitchFamily="34" charset="0"/>
-              <a:buChar char="•"/>
-            </a:pPr>
-            <a:endParaRPr lang="en-US" altLang="zh-CN" dirty="0">
-              <a:solidFill>
-                <a:srgbClr val="333333"/>
-              </a:solidFill>
-              <a:latin typeface="verdana" panose="020B0604030504040204" pitchFamily="34" charset="0"/>
-            </a:endParaRPr>
-          </a:p>
-          <a:p>
-            <a:pPr marL="285750" indent="-285750">
-              <a:buFont typeface="Arial" panose="020B0604020202020204" pitchFamily="34" charset="0"/>
-              <a:buChar char="•"/>
-            </a:pPr>
-            <a:endParaRPr lang="en-US" altLang="zh-CN" dirty="0">
-              <a:solidFill>
-                <a:srgbClr val="333333"/>
-              </a:solidFill>
-              <a:latin typeface="verdana" panose="020B0604030504040204" pitchFamily="34" charset="0"/>
-            </a:endParaRPr>
-          </a:p>
-          <a:p>
-            <a:pPr marL="285750" indent="-285750">
-              <a:buFont typeface="Arial" panose="020B0604020202020204" pitchFamily="34" charset="0"/>
-              <a:buChar char="•"/>
-            </a:pPr>
-            <a:endParaRPr lang="en-US" altLang="zh-CN" dirty="0">
-              <a:solidFill>
-                <a:srgbClr val="333333"/>
-              </a:solidFill>
-              <a:latin typeface="verdana" panose="020B0604030504040204" pitchFamily="34" charset="0"/>
-            </a:endParaRPr>
-          </a:p>
-          <a:p>
-            <a:pPr marL="285750" indent="-285750">
-              <a:buFont typeface="Arial" panose="020B0604020202020204" pitchFamily="34" charset="0"/>
-              <a:buChar char="•"/>
-            </a:pPr>
-            <a:endParaRPr lang="en-US" altLang="zh-CN" dirty="0"/>
-          </a:p>
-        </p:txBody>
-      </p:sp>
-      <p:sp>
-        <p:nvSpPr>
-          <p:cNvPr id="3" name="标题 2"/>
-          <p:cNvSpPr>
-            <a:spLocks noGrp="1"/>
-          </p:cNvSpPr>
-          <p:nvPr>
-            <p:ph type="title"/>
-          </p:nvPr>
-        </p:nvSpPr>
-        <p:spPr/>
-        <p:txBody>
-          <a:bodyPr/>
-          <a:lstStyle/>
-          <a:p>
-            <a:r>
-              <a:rPr lang="zh-CN" altLang="en-US" dirty="0">
-                <a:sym typeface="+mn-ea"/>
-              </a:rPr>
-              <a:t>主问题：如何推导</a:t>
-            </a:r>
-            <a:r>
-              <a:rPr lang="zh-CN" altLang="en-US" dirty="0"/>
-              <a:t>全连接层的前向传播？</a:t>
-            </a:r>
-          </a:p>
-        </p:txBody>
-      </p:sp>
-      <p:pic>
-        <p:nvPicPr>
-          <p:cNvPr id="6146" name="Picture 2" descr="image">
-            <a:extLst>
-              <a:ext uri="{FF2B5EF4-FFF2-40B4-BE49-F238E27FC236}">
-                <a16:creationId xmlns:a16="http://schemas.microsoft.com/office/drawing/2014/main" id="{7E3105C0-E05C-1856-9DF8-7BFD26FDC6B6}"/>
-              </a:ext>
-            </a:extLst>
-          </p:cNvPr>
-          <p:cNvPicPr>
-            <a:picLocks noChangeAspect="1" noChangeArrowheads="1"/>
-          </p:cNvPicPr>
-          <p:nvPr/>
-        </p:nvPicPr>
-        <p:blipFill>
-          <a:blip r:embed="rId3">
-            <a:extLst>
-              <a:ext uri="{28A0092B-C50C-407E-A947-70E740481C1C}">
-                <a14:useLocalDpi xmlns:a14="http://schemas.microsoft.com/office/drawing/2010/main" val="0"/>
-              </a:ext>
-            </a:extLst>
-          </a:blip>
-          <a:srcRect/>
-          <a:stretch>
-            <a:fillRect/>
-          </a:stretch>
-        </p:blipFill>
-        <p:spPr bwMode="auto">
-          <a:xfrm>
-            <a:off x="7543817" y="1300430"/>
-            <a:ext cx="3978258" cy="4257140"/>
-          </a:xfrm>
-          <a:prstGeom prst="rect">
-            <a:avLst/>
-          </a:prstGeom>
-          <a:noFill/>
-          <a:extLst>
-            <a:ext uri="{909E8E84-426E-40DD-AFC4-6F175D3DCCD1}">
-              <a14:hiddenFill xmlns:a14="http://schemas.microsoft.com/office/drawing/2010/main">
-                <a:solidFill>
-                  <a:srgbClr val="FFFFFF"/>
-                </a:solidFill>
-              </a14:hiddenFill>
-            </a:ext>
-          </a:extLst>
-        </p:spPr>
-      </p:pic>
-      <p:pic>
-        <p:nvPicPr>
-          <p:cNvPr id="7" name="图片 6">
-            <a:extLst>
-              <a:ext uri="{FF2B5EF4-FFF2-40B4-BE49-F238E27FC236}">
-                <a16:creationId xmlns:a16="http://schemas.microsoft.com/office/drawing/2014/main" id="{12678CAC-085C-3880-01FE-7FAA07184450}"/>
-              </a:ext>
-            </a:extLst>
-          </p:cNvPr>
-          <p:cNvPicPr>
-            <a:picLocks noChangeAspect="1"/>
-          </p:cNvPicPr>
-          <p:nvPr/>
-        </p:nvPicPr>
-        <p:blipFill>
-          <a:blip r:embed="rId4">
-            <a:extLst>
-              <a:ext uri="{28A0092B-C50C-407E-A947-70E740481C1C}">
-                <a14:useLocalDpi xmlns:a14="http://schemas.microsoft.com/office/drawing/2010/main" val="0"/>
-              </a:ext>
-            </a:extLst>
-          </a:blip>
-          <a:stretch>
-            <a:fillRect/>
-          </a:stretch>
-        </p:blipFill>
-        <p:spPr>
-          <a:xfrm>
-            <a:off x="1527349" y="2036955"/>
-            <a:ext cx="5335396" cy="3591132"/>
-          </a:xfrm>
-          <a:prstGeom prst="rect">
-            <a:avLst/>
-          </a:prstGeom>
-        </p:spPr>
-      </p:pic>
-    </p:spTree>
-    <p:custDataLst>
-      <p:tags r:id="rId1"/>
-    </p:custDataLst>
-    <p:extLst>
-      <p:ext uri="{BB962C8B-B14F-4D97-AF65-F5344CB8AC3E}">
-        <p14:creationId xmlns:p14="http://schemas.microsoft.com/office/powerpoint/2010/main" val="1382765973"/>
-      </p:ext>
-    </p:extLst>
-  </p:cSld>
-  <p:clrMapOvr>
-    <a:masterClrMapping/>
-  </p:clrMapOvr>
-</p:sld>
-</file>
-
-<file path=ppt/slides/slide15.xml><?xml version="1.0" encoding="utf-8"?>
-<p:sld xmlns:a="http://schemas.openxmlformats.org/drawingml/2006/main" xmlns:r="http://schemas.openxmlformats.org/officeDocument/2006/relationships" xmlns:p="http://schemas.openxmlformats.org/presentationml/2006/main">
-  <p:cSld>
-    <p:spTree>
-      <p:nvGrpSpPr>
-        <p:cNvPr id="1" name=""/>
-        <p:cNvGrpSpPr/>
-        <p:nvPr/>
-      </p:nvGrpSpPr>
-      <p:grpSpPr>
-        <a:xfrm>
-          <a:off x="0" y="0"/>
-          <a:ext cx="0" cy="0"/>
-          <a:chOff x="0" y="0"/>
-          <a:chExt cx="0" cy="0"/>
-        </a:xfrm>
-      </p:grpSpPr>
-      <p:sp>
-        <p:nvSpPr>
-          <p:cNvPr id="2" name="文本占位符 1"/>
-          <p:cNvSpPr>
-            <a:spLocks noGrp="1"/>
-          </p:cNvSpPr>
-          <p:nvPr>
-            <p:ph type="body" idx="1"/>
-          </p:nvPr>
-        </p:nvSpPr>
-        <p:spPr/>
-        <p:txBody>
-          <a:bodyPr/>
-          <a:lstStyle/>
-          <a:p>
-            <a:pPr marL="285750" indent="-285750">
-              <a:buFont typeface="Arial" panose="020B0604020202020204" pitchFamily="34" charset="0"/>
-              <a:buChar char="•"/>
-            </a:pPr>
-            <a:r>
-              <a:rPr lang="en-US" altLang="zh-CN" dirty="0">
-                <a:sym typeface="+mn-ea"/>
-              </a:rPr>
-              <a:t>TODO</a:t>
-            </a:r>
-            <a:endParaRPr lang="zh-CN" altLang="en-US" dirty="0">
-              <a:sym typeface="+mn-ea"/>
-            </a:endParaRPr>
-          </a:p>
-          <a:p>
-            <a:pPr marL="285750" indent="-285750">
-              <a:buFont typeface="Arial" panose="020B0604020202020204" pitchFamily="34" charset="0"/>
-              <a:buChar char="•"/>
-            </a:pPr>
-            <a:r>
-              <a:rPr lang="zh-CN" altLang="en-US" dirty="0"/>
-              <a:t>运行代码，通过测试</a:t>
-            </a:r>
-            <a:endParaRPr lang="zh-CN" altLang="en-US" dirty="0">
-              <a:sym typeface="+mn-ea"/>
-            </a:endParaRPr>
-          </a:p>
-          <a:p>
-            <a:pPr marL="285750" indent="-285750">
-              <a:buFont typeface="Arial" panose="020B0604020202020204" pitchFamily="34" charset="0"/>
-              <a:buChar char="•"/>
-            </a:pPr>
-            <a:endParaRPr lang="zh-CN" altLang="en-US" dirty="0"/>
-          </a:p>
-          <a:p>
-            <a:pPr marL="285750" indent="-285750">
-              <a:buFont typeface="Arial" panose="020B0604020202020204" pitchFamily="34" charset="0"/>
-              <a:buChar char="•"/>
-            </a:pPr>
-            <a:r>
-              <a:rPr lang="zh-CN" altLang="en-US" dirty="0"/>
-              <a:t>自学、互学、展学</a:t>
-            </a:r>
-          </a:p>
-          <a:p>
-            <a:pPr marL="285750" indent="-285750">
-              <a:buFont typeface="Arial" panose="020B0604020202020204" pitchFamily="34" charset="0"/>
-              <a:buChar char="•"/>
-            </a:pPr>
-            <a:endParaRPr lang="zh-CN" altLang="en-US" dirty="0">
-              <a:sym typeface="+mn-ea"/>
-            </a:endParaRPr>
-          </a:p>
-        </p:txBody>
-      </p:sp>
-      <p:sp>
-        <p:nvSpPr>
-          <p:cNvPr id="3" name="标题 2"/>
-          <p:cNvSpPr>
-            <a:spLocks noGrp="1"/>
-          </p:cNvSpPr>
-          <p:nvPr>
-            <p:ph type="title"/>
-          </p:nvPr>
-        </p:nvSpPr>
-        <p:spPr/>
-        <p:txBody>
-          <a:bodyPr/>
-          <a:lstStyle/>
-          <a:p>
-            <a:r>
-              <a:rPr lang="zh-CN" altLang="en-US" dirty="0">
-                <a:sym typeface="+mn-ea"/>
-              </a:rPr>
-              <a:t>任务：实现</a:t>
-            </a:r>
-            <a:r>
-              <a:rPr lang="zh-CN" altLang="en-US" dirty="0"/>
-              <a:t>全连接层的前向传播</a:t>
-            </a:r>
-          </a:p>
-        </p:txBody>
-      </p:sp>
-    </p:spTree>
-    <p:custDataLst>
-      <p:tags r:id="rId1"/>
-    </p:custDataLst>
-    <p:extLst>
-      <p:ext uri="{BB962C8B-B14F-4D97-AF65-F5344CB8AC3E}">
-        <p14:creationId xmlns:p14="http://schemas.microsoft.com/office/powerpoint/2010/main" val="1867471801"/>
-      </p:ext>
-    </p:extLst>
-  </p:cSld>
-  <p:clrMapOvr>
-    <a:masterClrMapping/>
-  </p:clrMapOvr>
-</p:sld>
-</file>
-
-<file path=ppt/slides/slide16.xml><?xml version="1.0" encoding="utf-8"?>
-<p:sld xmlns:a="http://schemas.openxmlformats.org/drawingml/2006/main" xmlns:r="http://schemas.openxmlformats.org/officeDocument/2006/relationships" xmlns:p="http://schemas.openxmlformats.org/presentationml/2006/main">
-  <p:cSld>
-    <p:spTree>
-      <p:nvGrpSpPr>
-        <p:cNvPr id="1" name=""/>
-        <p:cNvGrpSpPr/>
-        <p:nvPr/>
-      </p:nvGrpSpPr>
-      <p:grpSpPr>
-        <a:xfrm>
-          <a:off x="0" y="0"/>
-          <a:ext cx="0" cy="0"/>
-          <a:chOff x="0" y="0"/>
-          <a:chExt cx="0" cy="0"/>
-        </a:xfrm>
-      </p:grpSpPr>
-      <p:sp>
-        <p:nvSpPr>
-          <p:cNvPr id="2" name="标题 1"/>
-          <p:cNvSpPr>
-            <a:spLocks noGrp="1"/>
-          </p:cNvSpPr>
-          <p:nvPr>
-            <p:ph type="title"/>
-          </p:nvPr>
-        </p:nvSpPr>
-        <p:spPr/>
-        <p:txBody>
-          <a:bodyPr/>
-          <a:lstStyle/>
-          <a:p>
-            <a:r>
               <a:rPr lang="zh-CN" altLang="en-US"/>
               <a:t>总结</a:t>
             </a:r>
@@ -7921,7 +6509,7 @@
 </p:sld>
 </file>
 
-<file path=ppt/slides/slide17.xml><?xml version="1.0" encoding="utf-8"?>
+<file path=ppt/slides/slide11.xml><?xml version="1.0" encoding="utf-8"?>
 <p:sld xmlns:a="http://schemas.openxmlformats.org/drawingml/2006/main" xmlns:r="http://schemas.openxmlformats.org/officeDocument/2006/relationships" xmlns:p="http://schemas.openxmlformats.org/presentationml/2006/main">
   <p:cSld>
     <p:spTree>
@@ -8087,7 +6675,7 @@
 </p:sld>
 </file>
 
-<file path=ppt/slides/slide18.xml><?xml version="1.0" encoding="utf-8"?>
+<file path=ppt/slides/slide12.xml><?xml version="1.0" encoding="utf-8"?>
 <p:sld xmlns:a="http://schemas.openxmlformats.org/drawingml/2006/main" xmlns:r="http://schemas.openxmlformats.org/officeDocument/2006/relationships" xmlns:p="http://schemas.openxmlformats.org/presentationml/2006/main">
   <p:cSld>
     <p:spTree>
@@ -8222,7 +6810,7 @@
 </p:sld>
 </file>
 
-<file path=ppt/slides/slide19.xml><?xml version="1.0" encoding="utf-8"?>
+<file path=ppt/slides/slide13.xml><?xml version="1.0" encoding="utf-8"?>
 <p:sld xmlns:a="http://schemas.openxmlformats.org/drawingml/2006/main" xmlns:r="http://schemas.openxmlformats.org/officeDocument/2006/relationships" xmlns:p="http://schemas.openxmlformats.org/presentationml/2006/main">
   <p:cSld>
     <p:spTree>
@@ -8307,7 +6895,7 @@
 </p:sld>
 </file>
 
-<file path=ppt/slides/slide2.xml><?xml version="1.0" encoding="utf-8"?>
+<file path=ppt/slides/slide14.xml><?xml version="1.0" encoding="utf-8"?>
 <p:sld xmlns:a="http://schemas.openxmlformats.org/drawingml/2006/main" xmlns:r="http://schemas.openxmlformats.org/officeDocument/2006/relationships" xmlns:p="http://schemas.openxmlformats.org/presentationml/2006/main">
   <p:cSld>
     <p:spTree>
@@ -8326,7 +6914,31 @@
       </p:grpSpPr>
       <p:sp>
         <p:nvSpPr>
-          <p:cNvPr id="2" name="标题 1"/>
+          <p:cNvPr id="2" name="文本占位符 1"/>
+          <p:cNvSpPr>
+            <a:spLocks noGrp="1"/>
+          </p:cNvSpPr>
+          <p:nvPr>
+            <p:ph type="body" idx="1"/>
+          </p:nvPr>
+        </p:nvSpPr>
+        <p:spPr/>
+        <p:txBody>
+          <a:bodyPr/>
+          <a:lstStyle/>
+          <a:p>
+            <a:pPr>
+              <a:buFont typeface="Arial" panose="020B0604020202020204" pitchFamily="34" charset="0"/>
+            </a:pPr>
+            <a:endParaRPr dirty="0">
+              <a:sym typeface="+mn-ea"/>
+            </a:endParaRPr>
+          </a:p>
+        </p:txBody>
+      </p:sp>
+      <p:sp>
+        <p:nvSpPr>
+          <p:cNvPr id="3" name="标题 2"/>
           <p:cNvSpPr>
             <a:spLocks noGrp="1"/>
           </p:cNvSpPr>
@@ -8334,26 +6946,14 @@
             <p:ph type="title"/>
           </p:nvPr>
         </p:nvSpPr>
-        <p:spPr>
-          <a:xfrm>
-            <a:off x="669882" y="2108221"/>
-            <a:ext cx="10852237" cy="899167"/>
-          </a:xfrm>
-        </p:spPr>
+        <p:spPr/>
         <p:txBody>
           <a:bodyPr/>
           <a:lstStyle/>
           <a:p>
             <a:r>
-              <a:rPr lang="zh-CN" altLang="en-US" dirty="0"/>
-              <a:t>第三节课：</a:t>
-            </a:r>
-            <a:br>
-              <a:rPr lang="en-US" altLang="zh-CN" dirty="0"/>
-            </a:br>
-            <a:r>
-              <a:rPr lang="zh-CN" altLang="en-US" dirty="0"/>
-              <a:t>全连接层的前向和后向传播推导（上）</a:t>
+              <a:rPr lang="zh-CN" altLang="en-US"/>
+              <a:t>下节课预告</a:t>
             </a:r>
           </a:p>
         </p:txBody>
@@ -8369,81 +6969,7 @@
 </p:sld>
 </file>
 
-<file path=ppt/slides/slide20.xml><?xml version="1.0" encoding="utf-8"?>
-<p:sld xmlns:a="http://schemas.openxmlformats.org/drawingml/2006/main" xmlns:r="http://schemas.openxmlformats.org/officeDocument/2006/relationships" xmlns:p="http://schemas.openxmlformats.org/presentationml/2006/main">
-  <p:cSld>
-    <p:spTree>
-      <p:nvGrpSpPr>
-        <p:cNvPr id="1" name=""/>
-        <p:cNvGrpSpPr/>
-        <p:nvPr/>
-      </p:nvGrpSpPr>
-      <p:grpSpPr>
-        <a:xfrm>
-          <a:off x="0" y="0"/>
-          <a:ext cx="0" cy="0"/>
-          <a:chOff x="0" y="0"/>
-          <a:chExt cx="0" cy="0"/>
-        </a:xfrm>
-      </p:grpSpPr>
-      <p:sp>
-        <p:nvSpPr>
-          <p:cNvPr id="2" name="文本占位符 1"/>
-          <p:cNvSpPr>
-            <a:spLocks noGrp="1"/>
-          </p:cNvSpPr>
-          <p:nvPr>
-            <p:ph type="body" idx="1"/>
-          </p:nvPr>
-        </p:nvSpPr>
-        <p:spPr/>
-        <p:txBody>
-          <a:bodyPr/>
-          <a:lstStyle/>
-          <a:p>
-            <a:pPr>
-              <a:buFont typeface="Arial" panose="020B0604020202020204" pitchFamily="34" charset="0"/>
-            </a:pPr>
-            <a:endParaRPr dirty="0">
-              <a:sym typeface="+mn-ea"/>
-            </a:endParaRPr>
-          </a:p>
-        </p:txBody>
-      </p:sp>
-      <p:sp>
-        <p:nvSpPr>
-          <p:cNvPr id="3" name="标题 2"/>
-          <p:cNvSpPr>
-            <a:spLocks noGrp="1"/>
-          </p:cNvSpPr>
-          <p:nvPr>
-            <p:ph type="title"/>
-          </p:nvPr>
-        </p:nvSpPr>
-        <p:spPr/>
-        <p:txBody>
-          <a:bodyPr/>
-          <a:lstStyle/>
-          <a:p>
-            <a:r>
-              <a:rPr lang="zh-CN" altLang="en-US"/>
-              <a:t>下节课预告</a:t>
-            </a:r>
-          </a:p>
-        </p:txBody>
-      </p:sp>
-    </p:spTree>
-    <p:custDataLst>
-      <p:tags r:id="rId1"/>
-    </p:custDataLst>
-  </p:cSld>
-  <p:clrMapOvr>
-    <a:masterClrMapping/>
-  </p:clrMapOvr>
-</p:sld>
-</file>
-
-<file path=ppt/slides/slide21.xml><?xml version="1.0" encoding="utf-8"?>
+<file path=ppt/slides/slide15.xml><?xml version="1.0" encoding="utf-8"?>
 <p:sld xmlns:a="http://schemas.openxmlformats.org/drawingml/2006/main" xmlns:r="http://schemas.openxmlformats.org/officeDocument/2006/relationships" xmlns:p="http://schemas.openxmlformats.org/presentationml/2006/main">
   <p:cSld>
     <p:spTree>
@@ -8471,7 +6997,7 @@
 </p:sld>
 </file>
 
-<file path=ppt/slides/slide22.xml><?xml version="1.0" encoding="utf-8"?>
+<file path=ppt/slides/slide16.xml><?xml version="1.0" encoding="utf-8"?>
 <p:sld xmlns:a="http://schemas.openxmlformats.org/drawingml/2006/main" xmlns:r="http://schemas.openxmlformats.org/officeDocument/2006/relationships" xmlns:p="http://schemas.openxmlformats.org/presentationml/2006/main">
   <p:cSld>
     <p:spTree>
@@ -8544,7 +7070,7 @@
 </p:sld>
 </file>
 
-<file path=ppt/slides/slide23.xml><?xml version="1.0" encoding="utf-8"?>
+<file path=ppt/slides/slide17.xml><?xml version="1.0" encoding="utf-8"?>
 <p:sld xmlns:a="http://schemas.openxmlformats.org/drawingml/2006/main" xmlns:r="http://schemas.openxmlformats.org/officeDocument/2006/relationships" xmlns:p="http://schemas.openxmlformats.org/presentationml/2006/main">
   <p:cSld>
     <p:spTree>
@@ -8561,6 +7087,68 @@
           <a:chExt cx="0" cy="0"/>
         </a:xfrm>
       </p:grpSpPr>
+    </p:spTree>
+    <p:custDataLst>
+      <p:tags r:id="rId1"/>
+    </p:custDataLst>
+  </p:cSld>
+  <p:clrMapOvr>
+    <a:masterClrMapping/>
+  </p:clrMapOvr>
+</p:sld>
+</file>
+
+<file path=ppt/slides/slide2.xml><?xml version="1.0" encoding="utf-8"?>
+<p:sld xmlns:a="http://schemas.openxmlformats.org/drawingml/2006/main" xmlns:r="http://schemas.openxmlformats.org/officeDocument/2006/relationships" xmlns:p="http://schemas.openxmlformats.org/presentationml/2006/main">
+  <p:cSld>
+    <p:spTree>
+      <p:nvGrpSpPr>
+        <p:cNvPr id="1" name=""/>
+        <p:cNvGrpSpPr/>
+        <p:nvPr/>
+      </p:nvGrpSpPr>
+      <p:grpSpPr>
+        <a:xfrm>
+          <a:off x="0" y="0"/>
+          <a:ext cx="0" cy="0"/>
+          <a:chOff x="0" y="0"/>
+          <a:chExt cx="0" cy="0"/>
+        </a:xfrm>
+      </p:grpSpPr>
+      <p:sp>
+        <p:nvSpPr>
+          <p:cNvPr id="2" name="标题 1"/>
+          <p:cNvSpPr>
+            <a:spLocks noGrp="1"/>
+          </p:cNvSpPr>
+          <p:nvPr>
+            <p:ph type="title"/>
+          </p:nvPr>
+        </p:nvSpPr>
+        <p:spPr>
+          <a:xfrm>
+            <a:off x="669882" y="2108221"/>
+            <a:ext cx="10852237" cy="899167"/>
+          </a:xfrm>
+        </p:spPr>
+        <p:txBody>
+          <a:bodyPr/>
+          <a:lstStyle/>
+          <a:p>
+            <a:r>
+              <a:rPr lang="zh-CN" altLang="en-US" dirty="0"/>
+              <a:t>第三节课：</a:t>
+            </a:r>
+            <a:br>
+              <a:rPr lang="en-US" altLang="zh-CN" dirty="0"/>
+            </a:br>
+            <a:r>
+              <a:rPr lang="zh-CN" altLang="en-US" dirty="0"/>
+              <a:t>全连接层的前向和后向传播推导（上）</a:t>
+            </a:r>
+          </a:p>
+        </p:txBody>
+      </p:sp>
     </p:spTree>
     <p:custDataLst>
       <p:tags r:id="rId1"/>
@@ -9020,53 +7608,6 @@
       </p:sp>
       <p:pic>
         <p:nvPicPr>
-          <p:cNvPr id="1026" name="Picture 2" descr="image">
-            <a:extLst>
-              <a:ext uri="{FF2B5EF4-FFF2-40B4-BE49-F238E27FC236}">
-                <a16:creationId xmlns:a16="http://schemas.microsoft.com/office/drawing/2014/main" id="{359E2A55-8D52-D732-EAD5-87A78EA55FE1}"/>
-              </a:ext>
-            </a:extLst>
-          </p:cNvPr>
-          <p:cNvPicPr>
-            <a:picLocks noChangeAspect="1" noChangeArrowheads="1"/>
-          </p:cNvPicPr>
-          <p:nvPr/>
-        </p:nvPicPr>
-        <p:blipFill>
-          <a:blip r:embed="rId4">
-            <a:extLst>
-              <a:ext uri="{28A0092B-C50C-407E-A947-70E740481C1C}">
-                <a14:useLocalDpi xmlns:a14="http://schemas.microsoft.com/office/drawing/2010/main" val="0"/>
-              </a:ext>
-            </a:extLst>
-          </a:blip>
-          <a:srcRect/>
-          <a:stretch>
-            <a:fillRect/>
-          </a:stretch>
-        </p:blipFill>
-        <p:spPr bwMode="auto">
-          <a:xfrm>
-            <a:off x="7664823" y="1486476"/>
-            <a:ext cx="3690848" cy="2386277"/>
-          </a:xfrm>
-          <a:prstGeom prst="rect">
-            <a:avLst/>
-          </a:prstGeom>
-          <a:noFill/>
-          <a:extLst>
-            <a:ext uri="{909E8E84-426E-40DD-AFC4-6F175D3DCCD1}">
-              <a14:hiddenFill xmlns:a14="http://schemas.microsoft.com/office/drawing/2010/main">
-                <a:solidFill>
-                  <a:srgbClr val="FFFFFF"/>
-                </a:solidFill>
-              </a14:hiddenFill>
-            </a:ext>
-          </a:extLst>
-        </p:spPr>
-      </p:pic>
-      <p:pic>
-        <p:nvPicPr>
           <p:cNvPr id="4" name="Picture 2" descr="image">
             <a:extLst>
               <a:ext uri="{FF2B5EF4-FFF2-40B4-BE49-F238E27FC236}">
@@ -9080,7 +7621,7 @@
           <p:nvPr/>
         </p:nvPicPr>
         <p:blipFill>
-          <a:blip r:embed="rId5">
+          <a:blip r:embed="rId4">
             <a:extLst>
               <a:ext uri="{28A0092B-C50C-407E-A947-70E740481C1C}">
                 <a14:useLocalDpi xmlns:a14="http://schemas.microsoft.com/office/drawing/2010/main" val="0"/>
@@ -9110,6 +7651,42 @@
               </a14:hiddenFill>
             </a:ext>
           </a:extLst>
+        </p:spPr>
+      </p:pic>
+      <p:pic>
+        <p:nvPicPr>
+          <p:cNvPr id="6" name="图片 5">
+            <a:extLst>
+              <a:ext uri="{FF2B5EF4-FFF2-40B4-BE49-F238E27FC236}">
+                <a16:creationId xmlns:a16="http://schemas.microsoft.com/office/drawing/2014/main" id="{840DEC8E-90BD-F866-126D-9A07B36AB17F}"/>
+              </a:ext>
+            </a:extLst>
+          </p:cNvPr>
+          <p:cNvPicPr>
+            <a:picLocks noChangeAspect="1"/>
+          </p:cNvPicPr>
+          <p:nvPr/>
+        </p:nvPicPr>
+        <p:blipFill>
+          <a:blip r:embed="rId5">
+            <a:extLst>
+              <a:ext uri="{28A0092B-C50C-407E-A947-70E740481C1C}">
+                <a14:useLocalDpi xmlns:a14="http://schemas.microsoft.com/office/drawing/2010/main" val="0"/>
+              </a:ext>
+            </a:extLst>
+          </a:blip>
+          <a:stretch>
+            <a:fillRect/>
+          </a:stretch>
+        </p:blipFill>
+        <p:spPr>
+          <a:xfrm>
+            <a:off x="7394575" y="1289550"/>
+            <a:ext cx="4127500" cy="2667000"/>
+          </a:xfrm>
+          <a:prstGeom prst="rect">
+            <a:avLst/>
+          </a:prstGeom>
         </p:spPr>
       </p:pic>
     </p:spTree>
@@ -9306,7 +7883,7 @@
                                           </p:stCondLst>
                                         </p:cTn>
                                         <p:tgtEl>
-                                          <p:spTgt spid="1026"/>
+                                          <p:spTgt spid="6"/>
                                         </p:tgtEl>
                                         <p:attrNameLst>
                                           <p:attrName>style.visibility</p:attrName>
@@ -9605,15 +8182,15 @@
       </p:sp>
       <p:pic>
         <p:nvPicPr>
-          <p:cNvPr id="1026" name="Picture 2" descr="image">
+          <p:cNvPr id="4" name="图片 3">
             <a:extLst>
               <a:ext uri="{FF2B5EF4-FFF2-40B4-BE49-F238E27FC236}">
-                <a16:creationId xmlns:a16="http://schemas.microsoft.com/office/drawing/2014/main" id="{F40BCDC2-2DAC-5126-70DD-6125BB6CA604}"/>
+                <a16:creationId xmlns:a16="http://schemas.microsoft.com/office/drawing/2014/main" id="{A5FC943D-0ABB-EFCB-FE5D-9651048471AC}"/>
               </a:ext>
             </a:extLst>
           </p:cNvPr>
           <p:cNvPicPr>
-            <a:picLocks noChangeAspect="1" noChangeArrowheads="1"/>
+            <a:picLocks noChangeAspect="1"/>
           </p:cNvPicPr>
           <p:nvPr/>
         </p:nvPicPr>
@@ -9625,42 +8202,31 @@
               </a:ext>
             </a:extLst>
           </a:blip>
-          <a:srcRect/>
           <a:stretch>
             <a:fillRect/>
           </a:stretch>
         </p:blipFill>
-        <p:spPr bwMode="auto">
+        <p:spPr>
           <a:xfrm>
-            <a:off x="492059" y="3649659"/>
-            <a:ext cx="3912434" cy="2530161"/>
+            <a:off x="469340" y="3649659"/>
+            <a:ext cx="4127500" cy="2667000"/>
           </a:xfrm>
           <a:prstGeom prst="rect">
             <a:avLst/>
           </a:prstGeom>
-          <a:noFill/>
-          <a:extLst>
-            <a:ext uri="{909E8E84-426E-40DD-AFC4-6F175D3DCCD1}">
-              <a14:hiddenFill xmlns:a14="http://schemas.microsoft.com/office/drawing/2010/main">
-                <a:solidFill>
-                  <a:srgbClr val="FFFFFF"/>
-                </a:solidFill>
-              </a14:hiddenFill>
-            </a:ext>
-          </a:extLst>
         </p:spPr>
       </p:pic>
       <p:pic>
         <p:nvPicPr>
-          <p:cNvPr id="1028" name="Picture 4" descr="image">
+          <p:cNvPr id="6" name="图片 5">
             <a:extLst>
               <a:ext uri="{FF2B5EF4-FFF2-40B4-BE49-F238E27FC236}">
-                <a16:creationId xmlns:a16="http://schemas.microsoft.com/office/drawing/2014/main" id="{16614BEA-9EB2-E4F9-60C5-646BC275A427}"/>
+                <a16:creationId xmlns:a16="http://schemas.microsoft.com/office/drawing/2014/main" id="{0682E7CE-F636-7379-946C-D358E1F88C23}"/>
               </a:ext>
             </a:extLst>
           </p:cNvPr>
           <p:cNvPicPr>
-            <a:picLocks noChangeAspect="1" noChangeArrowheads="1"/>
+            <a:picLocks noChangeAspect="1"/>
           </p:cNvPicPr>
           <p:nvPr/>
         </p:nvPicPr>
@@ -9672,29 +8238,18 @@
               </a:ext>
             </a:extLst>
           </a:blip>
-          <a:srcRect/>
           <a:stretch>
             <a:fillRect/>
           </a:stretch>
         </p:blipFill>
-        <p:spPr bwMode="auto">
+        <p:spPr>
           <a:xfrm>
-            <a:off x="4943789" y="3649659"/>
-            <a:ext cx="7117582" cy="2404965"/>
+            <a:off x="5828366" y="4018056"/>
+            <a:ext cx="5693709" cy="1663413"/>
           </a:xfrm>
           <a:prstGeom prst="rect">
             <a:avLst/>
           </a:prstGeom>
-          <a:noFill/>
-          <a:extLst>
-            <a:ext uri="{909E8E84-426E-40DD-AFC4-6F175D3DCCD1}">
-              <a14:hiddenFill xmlns:a14="http://schemas.microsoft.com/office/drawing/2010/main">
-                <a:solidFill>
-                  <a:srgbClr val="FFFFFF"/>
-                </a:solidFill>
-              </a14:hiddenFill>
-            </a:ext>
-          </a:extLst>
         </p:spPr>
       </p:pic>
     </p:spTree>
@@ -9793,7 +8348,7 @@
                                           </p:stCondLst>
                                         </p:cTn>
                                         <p:tgtEl>
-                                          <p:spTgt spid="1026"/>
+                                          <p:spTgt spid="4"/>
                                         </p:tgtEl>
                                         <p:attrNameLst>
                                           <p:attrName>style.visibility</p:attrName>
@@ -9887,7 +8442,7 @@
                                           </p:stCondLst>
                                         </p:cTn>
                                         <p:tgtEl>
-                                          <p:spTgt spid="1028"/>
+                                          <p:spTgt spid="6"/>
                                         </p:tgtEl>
                                         <p:attrNameLst>
                                           <p:attrName>style.visibility</p:attrName>
@@ -12584,33 +11139,6 @@
 </p:tagLst>
 </file>
 
-<file path=ppt/tags/tag87.xml><?xml version="1.0" encoding="utf-8"?>
-<p:tagLst xmlns:a="http://schemas.openxmlformats.org/drawingml/2006/main" xmlns:r="http://schemas.openxmlformats.org/officeDocument/2006/relationships" xmlns:p="http://schemas.openxmlformats.org/presentationml/2006/main">
-  <p:tag name="KSO_WM_BEAUTIFY_FLAG" val="#wm#"/>
-  <p:tag name="KSO_WM_TEMPLATE_CATEGORY" val="custom"/>
-  <p:tag name="KSO_WM_TEMPLATE_INDEX" val="20187308"/>
-  <p:tag name="KSO_WM_SPECIAL_SOURCE" val="bdnull"/>
-</p:tagLst>
-</file>
-
-<file path=ppt/tags/tag88.xml><?xml version="1.0" encoding="utf-8"?>
-<p:tagLst xmlns:a="http://schemas.openxmlformats.org/drawingml/2006/main" xmlns:r="http://schemas.openxmlformats.org/officeDocument/2006/relationships" xmlns:p="http://schemas.openxmlformats.org/presentationml/2006/main">
-  <p:tag name="KSO_WM_BEAUTIFY_FLAG" val="#wm#"/>
-  <p:tag name="KSO_WM_TEMPLATE_CATEGORY" val="custom"/>
-  <p:tag name="KSO_WM_TEMPLATE_INDEX" val="20187308"/>
-  <p:tag name="KSO_WM_SPECIAL_SOURCE" val="bdnull"/>
-</p:tagLst>
-</file>
-
-<file path=ppt/tags/tag89.xml><?xml version="1.0" encoding="utf-8"?>
-<p:tagLst xmlns:a="http://schemas.openxmlformats.org/drawingml/2006/main" xmlns:r="http://schemas.openxmlformats.org/officeDocument/2006/relationships" xmlns:p="http://schemas.openxmlformats.org/presentationml/2006/main">
-  <p:tag name="KSO_WM_BEAUTIFY_FLAG" val="#wm#"/>
-  <p:tag name="KSO_WM_TEMPLATE_CATEGORY" val="custom"/>
-  <p:tag name="KSO_WM_TEMPLATE_INDEX" val="20187308"/>
-  <p:tag name="KSO_WM_SPECIAL_SOURCE" val="bdnull"/>
-</p:tagLst>
-</file>
-
 <file path=ppt/tags/tag9.xml><?xml version="1.0" encoding="utf-8"?>
 <p:tagLst xmlns:a="http://schemas.openxmlformats.org/drawingml/2006/main" xmlns:r="http://schemas.openxmlformats.org/officeDocument/2006/relationships" xmlns:p="http://schemas.openxmlformats.org/presentationml/2006/main">
   <p:tag name="KSO_WM_UNIT_HIGHLIGHT" val="0"/>
@@ -12621,33 +11149,6 @@
   <p:tag name="KSO_WM_UNIT_LAYERLEVEL" val="1"/>
   <p:tag name="KSO_WM_TAG_VERSION" val="1.0"/>
   <p:tag name="KSO_WM_BEAUTIFY_FLAG" val="#wm#"/>
-</p:tagLst>
-</file>
-
-<file path=ppt/tags/tag90.xml><?xml version="1.0" encoding="utf-8"?>
-<p:tagLst xmlns:a="http://schemas.openxmlformats.org/drawingml/2006/main" xmlns:r="http://schemas.openxmlformats.org/officeDocument/2006/relationships" xmlns:p="http://schemas.openxmlformats.org/presentationml/2006/main">
-  <p:tag name="KSO_WM_BEAUTIFY_FLAG" val="#wm#"/>
-  <p:tag name="KSO_WM_TEMPLATE_CATEGORY" val="custom"/>
-  <p:tag name="KSO_WM_TEMPLATE_INDEX" val="20187308"/>
-  <p:tag name="KSO_WM_SPECIAL_SOURCE" val="bdnull"/>
-</p:tagLst>
-</file>
-
-<file path=ppt/tags/tag91.xml><?xml version="1.0" encoding="utf-8"?>
-<p:tagLst xmlns:a="http://schemas.openxmlformats.org/drawingml/2006/main" xmlns:r="http://schemas.openxmlformats.org/officeDocument/2006/relationships" xmlns:p="http://schemas.openxmlformats.org/presentationml/2006/main">
-  <p:tag name="KSO_WM_BEAUTIFY_FLAG" val="#wm#"/>
-  <p:tag name="KSO_WM_TEMPLATE_CATEGORY" val="custom"/>
-  <p:tag name="KSO_WM_TEMPLATE_INDEX" val="20187308"/>
-  <p:tag name="KSO_WM_SPECIAL_SOURCE" val="bdnull"/>
-</p:tagLst>
-</file>
-
-<file path=ppt/tags/tag92.xml><?xml version="1.0" encoding="utf-8"?>
-<p:tagLst xmlns:a="http://schemas.openxmlformats.org/drawingml/2006/main" xmlns:r="http://schemas.openxmlformats.org/officeDocument/2006/relationships" xmlns:p="http://schemas.openxmlformats.org/presentationml/2006/main">
-  <p:tag name="KSO_WM_BEAUTIFY_FLAG" val="#wm#"/>
-  <p:tag name="KSO_WM_TEMPLATE_CATEGORY" val="custom"/>
-  <p:tag name="KSO_WM_TEMPLATE_INDEX" val="20187308"/>
-  <p:tag name="KSO_WM_SPECIAL_SOURCE" val="bdnull"/>
 </p:tagLst>
 </file>
 
